--- a/courses/cse545/slides/02-prerequisites.pptx
+++ b/courses/cse545/slides/02-prerequisites.pptx
@@ -5,34 +5,40 @@
     <p:sldMasterId id="2147483660" r:id="rId1"/>
   </p:sldMasterIdLst>
   <p:notesMasterIdLst>
-    <p:notesMasterId r:id="rId27"/>
+    <p:notesMasterId r:id="rId33"/>
   </p:notesMasterIdLst>
   <p:sldIdLst>
     <p:sldId id="257" r:id="rId2"/>
-    <p:sldId id="306" r:id="rId3"/>
-    <p:sldId id="308" r:id="rId4"/>
-    <p:sldId id="309" r:id="rId5"/>
-    <p:sldId id="312" r:id="rId6"/>
-    <p:sldId id="313" r:id="rId7"/>
-    <p:sldId id="314" r:id="rId8"/>
-    <p:sldId id="315" r:id="rId9"/>
-    <p:sldId id="316" r:id="rId10"/>
-    <p:sldId id="317" r:id="rId11"/>
-    <p:sldId id="319" r:id="rId12"/>
-    <p:sldId id="320" r:id="rId13"/>
-    <p:sldId id="318" r:id="rId14"/>
-    <p:sldId id="321" r:id="rId15"/>
-    <p:sldId id="329" r:id="rId16"/>
-    <p:sldId id="323" r:id="rId17"/>
-    <p:sldId id="324" r:id="rId18"/>
-    <p:sldId id="325" r:id="rId19"/>
-    <p:sldId id="330" r:id="rId20"/>
-    <p:sldId id="331" r:id="rId21"/>
-    <p:sldId id="334" r:id="rId22"/>
-    <p:sldId id="335" r:id="rId23"/>
-    <p:sldId id="336" r:id="rId24"/>
-    <p:sldId id="326" r:id="rId25"/>
-    <p:sldId id="327" r:id="rId26"/>
+    <p:sldId id="339" r:id="rId3"/>
+    <p:sldId id="342" r:id="rId4"/>
+    <p:sldId id="341" r:id="rId5"/>
+    <p:sldId id="306" r:id="rId6"/>
+    <p:sldId id="308" r:id="rId7"/>
+    <p:sldId id="309" r:id="rId8"/>
+    <p:sldId id="312" r:id="rId9"/>
+    <p:sldId id="313" r:id="rId10"/>
+    <p:sldId id="314" r:id="rId11"/>
+    <p:sldId id="315" r:id="rId12"/>
+    <p:sldId id="316" r:id="rId13"/>
+    <p:sldId id="317" r:id="rId14"/>
+    <p:sldId id="319" r:id="rId15"/>
+    <p:sldId id="320" r:id="rId16"/>
+    <p:sldId id="318" r:id="rId17"/>
+    <p:sldId id="321" r:id="rId18"/>
+    <p:sldId id="329" r:id="rId19"/>
+    <p:sldId id="323" r:id="rId20"/>
+    <p:sldId id="324" r:id="rId21"/>
+    <p:sldId id="325" r:id="rId22"/>
+    <p:sldId id="330" r:id="rId23"/>
+    <p:sldId id="331" r:id="rId24"/>
+    <p:sldId id="334" r:id="rId25"/>
+    <p:sldId id="335" r:id="rId26"/>
+    <p:sldId id="336" r:id="rId27"/>
+    <p:sldId id="326" r:id="rId28"/>
+    <p:sldId id="327" r:id="rId29"/>
+    <p:sldId id="344" r:id="rId30"/>
+    <p:sldId id="343" r:id="rId31"/>
+    <p:sldId id="345" r:id="rId32"/>
   </p:sldIdLst>
   <p:sldSz cx="12192000" cy="6858000"/>
   <p:notesSz cx="6858000" cy="9144000"/>
@@ -355,7 +361,7 @@
           <a:p>
             <a:fld id="{F3AB0295-79D2-9643-8380-6C60B57E0778}" type="datetimeFigureOut">
               <a:rPr lang="en-US" smtClean="0"/>
-              <a:t>8/20/20</a:t>
+              <a:t>8/27/20</a:t>
             </a:fld>
             <a:endParaRPr lang="en-US"/>
           </a:p>
@@ -800,48 +806,16 @@
           <a:p>
             <a:r>
               <a:rPr lang="en-US" dirty="0"/>
-              <a:t>If we still use bits, we have to show 8 binary numbers. Can we simplify it?</a:t>
-            </a:r>
+              <a:t>In 1990s, 8-bit byte becomes a standard, and modern architectures such as x86 and arm start to commonly use 8-bit as the smallest building block of storage.</a:t>
+            </a:r>
+          </a:p>
+          <a:p>
+            <a:endParaRPr lang="en-US" dirty="0"/>
           </a:p>
           <a:p>
             <a:r>
               <a:rPr lang="en-US" dirty="0"/>
-              <a:t>Hexadecimal is introduced to represent a byte in a much simpler way.</a:t>
-            </a:r>
-          </a:p>
-          <a:p>
-            <a:r>
-              <a:rPr lang="en-US" dirty="0"/>
-              <a:t>We split 8 bits into 2 groups, and each group is 4 bits. We use 0-9, </a:t>
-            </a:r>
-            <a:r>
-              <a:rPr lang="en-US" dirty="0" err="1"/>
-              <a:t>abcdef</a:t>
-            </a:r>
-            <a:r>
-              <a:rPr lang="en-US" dirty="0"/>
-              <a:t> for hex 0 to 15.</a:t>
-            </a:r>
-          </a:p>
-          <a:p>
-            <a:r>
-              <a:rPr lang="en-US" dirty="0"/>
-              <a:t>In this case, the first 4-bit is 10, which is a in hexadecimal, and the second 4-bits is 12, which is c in hexadecimal.</a:t>
-            </a:r>
-          </a:p>
-          <a:p>
-            <a:r>
-              <a:rPr lang="en-US" dirty="0"/>
-              <a:t>We put the two hexadecimals together, and we get a byte 0xac.</a:t>
-            </a:r>
-          </a:p>
-          <a:p>
-            <a:endParaRPr lang="en-US" dirty="0"/>
-          </a:p>
-          <a:p>
-            <a:r>
-              <a:rPr lang="en-US" dirty="0"/>
-              <a:t>Now we know how to represent a byte, the smallest building block in an architecture. Next, let’s use bytes to represent different type of variables.</a:t>
+              <a:t>since 8 bits will become the smallest building block of storage, it will be commonly used and referred. How should we represent a byte conveniently?</a:t>
             </a:r>
           </a:p>
         </p:txBody>
@@ -863,7 +837,7 @@
           <a:p>
             <a:fld id="{F88513B2-5834-7F44-92C6-32D9C72F6072}" type="slidenum">
               <a:rPr lang="en-US" smtClean="0"/>
-              <a:t>15</a:t>
+              <a:t>17</a:t>
             </a:fld>
             <a:endParaRPr lang="en-US"/>
           </a:p>
@@ -872,7 +846,7 @@
     </p:spTree>
     <p:extLst>
       <p:ext uri="{BB962C8B-B14F-4D97-AF65-F5344CB8AC3E}">
-        <p14:creationId xmlns:p14="http://schemas.microsoft.com/office/powerpoint/2010/main" val="3492336050"/>
+        <p14:creationId xmlns:p14="http://schemas.microsoft.com/office/powerpoint/2010/main" val="142826213"/>
       </p:ext>
     </p:extLst>
   </p:cSld>
@@ -928,7 +902,39 @@
           <a:p>
             <a:r>
               <a:rPr lang="en-US" dirty="0"/>
-              <a:t>Let’s start with a character. Suppose there’s a character variable in the value of small case a</a:t>
+              <a:t>If we still use bits, we have to show 8 binary numbers. Can we simplify it?</a:t>
+            </a:r>
+          </a:p>
+          <a:p>
+            <a:r>
+              <a:rPr lang="en-US" dirty="0"/>
+              <a:t>Hexadecimal is introduced to represent a byte in a much simpler way.</a:t>
+            </a:r>
+          </a:p>
+          <a:p>
+            <a:r>
+              <a:rPr lang="en-US" dirty="0"/>
+              <a:t>We split 8 bits into 2 groups, and each group is 4 bits. We use 0-9, </a:t>
+            </a:r>
+            <a:r>
+              <a:rPr lang="en-US" dirty="0" err="1"/>
+              <a:t>abcdef</a:t>
+            </a:r>
+            <a:r>
+              <a:rPr lang="en-US" dirty="0"/>
+              <a:t> for hex 0 to 15.</a:t>
+            </a:r>
+          </a:p>
+          <a:p>
+            <a:r>
+              <a:rPr lang="en-US" dirty="0"/>
+              <a:t>In this case, the first 4-bit is 10, which is a in hexadecimal, and the second 4-bits is 12, which is c in hexadecimal.</a:t>
+            </a:r>
+          </a:p>
+          <a:p>
+            <a:r>
+              <a:rPr lang="en-US" dirty="0"/>
+              <a:t>We put the two hexadecimals together, and we get a byte 0xac.</a:t>
             </a:r>
           </a:p>
           <a:p>
@@ -937,16 +943,7 @@
           <a:p>
             <a:r>
               <a:rPr lang="en-US" dirty="0"/>
-              <a:t>To encode a character to a number, we are going to convert letter a to its ascii value.</a:t>
-            </a:r>
-          </a:p>
-          <a:p>
-            <a:endParaRPr lang="en-US" dirty="0"/>
-          </a:p>
-          <a:p>
-            <a:r>
-              <a:rPr lang="en-US" dirty="0"/>
-              <a:t>If we zoom out a little bit and look at the memory per byte</a:t>
+              <a:t>Now we know how to represent a byte, the smallest building block in an architecture. Next, let’s use bytes to represent different type of variables.</a:t>
             </a:r>
           </a:p>
         </p:txBody>
@@ -968,7 +965,7 @@
           <a:p>
             <a:fld id="{F88513B2-5834-7F44-92C6-32D9C72F6072}" type="slidenum">
               <a:rPr lang="en-US" smtClean="0"/>
-              <a:t>16</a:t>
+              <a:t>18</a:t>
             </a:fld>
             <a:endParaRPr lang="en-US"/>
           </a:p>
@@ -977,7 +974,7 @@
     </p:spTree>
     <p:extLst>
       <p:ext uri="{BB962C8B-B14F-4D97-AF65-F5344CB8AC3E}">
-        <p14:creationId xmlns:p14="http://schemas.microsoft.com/office/powerpoint/2010/main" val="3583618504"/>
+        <p14:creationId xmlns:p14="http://schemas.microsoft.com/office/powerpoint/2010/main" val="3492336050"/>
       </p:ext>
     </p:extLst>
   </p:cSld>
@@ -1033,7 +1030,25 @@
           <a:p>
             <a:r>
               <a:rPr lang="en-US" dirty="0"/>
-              <a:t>Let’s start with a character. Suppose there’s a character variable in the value of small case a, how does the computer store the character?</a:t>
+              <a:t>Let’s start with a character. Suppose there’s a character variable in the value of small case a</a:t>
+            </a:r>
+          </a:p>
+          <a:p>
+            <a:endParaRPr lang="en-US" dirty="0"/>
+          </a:p>
+          <a:p>
+            <a:r>
+              <a:rPr lang="en-US" dirty="0"/>
+              <a:t>To encode a character to a number, we are going to convert letter a to its ascii value.</a:t>
+            </a:r>
+          </a:p>
+          <a:p>
+            <a:endParaRPr lang="en-US" dirty="0"/>
+          </a:p>
+          <a:p>
+            <a:r>
+              <a:rPr lang="en-US" dirty="0"/>
+              <a:t>If we zoom out a little bit and look at the memory per byte</a:t>
             </a:r>
           </a:p>
         </p:txBody>
@@ -1055,7 +1070,7 @@
           <a:p>
             <a:fld id="{F88513B2-5834-7F44-92C6-32D9C72F6072}" type="slidenum">
               <a:rPr lang="en-US" smtClean="0"/>
-              <a:t>17</a:t>
+              <a:t>19</a:t>
             </a:fld>
             <a:endParaRPr lang="en-US"/>
           </a:p>
@@ -1064,7 +1079,7 @@
     </p:spTree>
     <p:extLst>
       <p:ext uri="{BB962C8B-B14F-4D97-AF65-F5344CB8AC3E}">
-        <p14:creationId xmlns:p14="http://schemas.microsoft.com/office/powerpoint/2010/main" val="1605174537"/>
+        <p14:creationId xmlns:p14="http://schemas.microsoft.com/office/powerpoint/2010/main" val="3583618504"/>
       </p:ext>
     </p:extLst>
   </p:cSld>
@@ -1142,7 +1157,7 @@
           <a:p>
             <a:fld id="{F88513B2-5834-7F44-92C6-32D9C72F6072}" type="slidenum">
               <a:rPr lang="en-US" smtClean="0"/>
-              <a:t>18</a:t>
+              <a:t>20</a:t>
             </a:fld>
             <a:endParaRPr lang="en-US"/>
           </a:p>
@@ -1151,7 +1166,7 @@
     </p:spTree>
     <p:extLst>
       <p:ext uri="{BB962C8B-B14F-4D97-AF65-F5344CB8AC3E}">
-        <p14:creationId xmlns:p14="http://schemas.microsoft.com/office/powerpoint/2010/main" val="1465215889"/>
+        <p14:creationId xmlns:p14="http://schemas.microsoft.com/office/powerpoint/2010/main" val="1605174537"/>
       </p:ext>
     </p:extLst>
   </p:cSld>
@@ -1229,7 +1244,7 @@
           <a:p>
             <a:fld id="{F88513B2-5834-7F44-92C6-32D9C72F6072}" type="slidenum">
               <a:rPr lang="en-US" smtClean="0"/>
-              <a:t>19</a:t>
+              <a:t>21</a:t>
             </a:fld>
             <a:endParaRPr lang="en-US"/>
           </a:p>
@@ -1238,7 +1253,7 @@
     </p:spTree>
     <p:extLst>
       <p:ext uri="{BB962C8B-B14F-4D97-AF65-F5344CB8AC3E}">
-        <p14:creationId xmlns:p14="http://schemas.microsoft.com/office/powerpoint/2010/main" val="4091787007"/>
+        <p14:creationId xmlns:p14="http://schemas.microsoft.com/office/powerpoint/2010/main" val="1465215889"/>
       </p:ext>
     </p:extLst>
   </p:cSld>
@@ -1316,7 +1331,7 @@
           <a:p>
             <a:fld id="{F88513B2-5834-7F44-92C6-32D9C72F6072}" type="slidenum">
               <a:rPr lang="en-US" smtClean="0"/>
-              <a:t>20</a:t>
+              <a:t>22</a:t>
             </a:fld>
             <a:endParaRPr lang="en-US"/>
           </a:p>
@@ -1325,7 +1340,7 @@
     </p:spTree>
     <p:extLst>
       <p:ext uri="{BB962C8B-B14F-4D97-AF65-F5344CB8AC3E}">
-        <p14:creationId xmlns:p14="http://schemas.microsoft.com/office/powerpoint/2010/main" val="2270704148"/>
+        <p14:creationId xmlns:p14="http://schemas.microsoft.com/office/powerpoint/2010/main" val="4091787007"/>
       </p:ext>
     </p:extLst>
   </p:cSld>
@@ -1403,7 +1418,7 @@
           <a:p>
             <a:fld id="{F88513B2-5834-7F44-92C6-32D9C72F6072}" type="slidenum">
               <a:rPr lang="en-US" smtClean="0"/>
-              <a:t>21</a:t>
+              <a:t>23</a:t>
             </a:fld>
             <a:endParaRPr lang="en-US"/>
           </a:p>
@@ -1412,7 +1427,7 @@
     </p:spTree>
     <p:extLst>
       <p:ext uri="{BB962C8B-B14F-4D97-AF65-F5344CB8AC3E}">
-        <p14:creationId xmlns:p14="http://schemas.microsoft.com/office/powerpoint/2010/main" val="1769851843"/>
+        <p14:creationId xmlns:p14="http://schemas.microsoft.com/office/powerpoint/2010/main" val="2270704148"/>
       </p:ext>
     </p:extLst>
   </p:cSld>
@@ -1490,7 +1505,7 @@
           <a:p>
             <a:fld id="{F88513B2-5834-7F44-92C6-32D9C72F6072}" type="slidenum">
               <a:rPr lang="en-US" smtClean="0"/>
-              <a:t>22</a:t>
+              <a:t>24</a:t>
             </a:fld>
             <a:endParaRPr lang="en-US"/>
           </a:p>
@@ -1499,7 +1514,7 @@
     </p:spTree>
     <p:extLst>
       <p:ext uri="{BB962C8B-B14F-4D97-AF65-F5344CB8AC3E}">
-        <p14:creationId xmlns:p14="http://schemas.microsoft.com/office/powerpoint/2010/main" val="2472930102"/>
+        <p14:creationId xmlns:p14="http://schemas.microsoft.com/office/powerpoint/2010/main" val="1769851843"/>
       </p:ext>
     </p:extLst>
   </p:cSld>
@@ -1577,7 +1592,94 @@
           <a:p>
             <a:fld id="{F88513B2-5834-7F44-92C6-32D9C72F6072}" type="slidenum">
               <a:rPr lang="en-US" smtClean="0"/>
-              <a:t>23</a:t>
+              <a:t>25</a:t>
+            </a:fld>
+            <a:endParaRPr lang="en-US"/>
+          </a:p>
+        </p:txBody>
+      </p:sp>
+    </p:spTree>
+    <p:extLst>
+      <p:ext uri="{BB962C8B-B14F-4D97-AF65-F5344CB8AC3E}">
+        <p14:creationId xmlns:p14="http://schemas.microsoft.com/office/powerpoint/2010/main" val="2472930102"/>
+      </p:ext>
+    </p:extLst>
+  </p:cSld>
+  <p:clrMapOvr>
+    <a:masterClrMapping/>
+  </p:clrMapOvr>
+</p:notes>
+</file>
+
+<file path=ppt/notesSlides/notesSlide19.xml><?xml version="1.0" encoding="utf-8"?>
+<p:notes xmlns:a="http://schemas.openxmlformats.org/drawingml/2006/main" xmlns:r="http://schemas.openxmlformats.org/officeDocument/2006/relationships" xmlns:p="http://schemas.openxmlformats.org/presentationml/2006/main">
+  <p:cSld>
+    <p:spTree>
+      <p:nvGrpSpPr>
+        <p:cNvPr id="1" name=""/>
+        <p:cNvGrpSpPr/>
+        <p:nvPr/>
+      </p:nvGrpSpPr>
+      <p:grpSpPr>
+        <a:xfrm>
+          <a:off x="0" y="0"/>
+          <a:ext cx="0" cy="0"/>
+          <a:chOff x="0" y="0"/>
+          <a:chExt cx="0" cy="0"/>
+        </a:xfrm>
+      </p:grpSpPr>
+      <p:sp>
+        <p:nvSpPr>
+          <p:cNvPr id="2" name="Slide Image Placeholder 1"/>
+          <p:cNvSpPr>
+            <a:spLocks noGrp="1" noRot="1" noChangeAspect="1"/>
+          </p:cNvSpPr>
+          <p:nvPr>
+            <p:ph type="sldImg"/>
+          </p:nvPr>
+        </p:nvSpPr>
+        <p:spPr/>
+      </p:sp>
+      <p:sp>
+        <p:nvSpPr>
+          <p:cNvPr id="3" name="Notes Placeholder 2"/>
+          <p:cNvSpPr>
+            <a:spLocks noGrp="1"/>
+          </p:cNvSpPr>
+          <p:nvPr>
+            <p:ph type="body" idx="1"/>
+          </p:nvPr>
+        </p:nvSpPr>
+        <p:spPr/>
+        <p:txBody>
+          <a:bodyPr/>
+          <a:lstStyle/>
+          <a:p>
+            <a:r>
+              <a:rPr lang="en-US" dirty="0"/>
+              <a:t>Let’s start with a character. Suppose there’s a character variable in the value of small case a, how does the computer store the character?</a:t>
+            </a:r>
+          </a:p>
+        </p:txBody>
+      </p:sp>
+      <p:sp>
+        <p:nvSpPr>
+          <p:cNvPr id="4" name="Slide Number Placeholder 3"/>
+          <p:cNvSpPr>
+            <a:spLocks noGrp="1"/>
+          </p:cNvSpPr>
+          <p:nvPr>
+            <p:ph type="sldNum" sz="quarter" idx="5"/>
+          </p:nvPr>
+        </p:nvSpPr>
+        <p:spPr/>
+        <p:txBody>
+          <a:bodyPr/>
+          <a:lstStyle/>
+          <a:p>
+            <a:fld id="{F88513B2-5834-7F44-92C6-32D9C72F6072}" type="slidenum">
+              <a:rPr lang="en-US" smtClean="0"/>
+              <a:t>26</a:t>
             </a:fld>
             <a:endParaRPr lang="en-US"/>
           </a:p>
@@ -1597,6 +1699,90 @@
 </file>
 
 <file path=ppt/notesSlides/notesSlide2.xml><?xml version="1.0" encoding="utf-8"?>
+<p:notes xmlns:a="http://schemas.openxmlformats.org/drawingml/2006/main" xmlns:r="http://schemas.openxmlformats.org/officeDocument/2006/relationships" xmlns:p="http://schemas.openxmlformats.org/presentationml/2006/main">
+  <p:cSld>
+    <p:spTree>
+      <p:nvGrpSpPr>
+        <p:cNvPr id="1" name=""/>
+        <p:cNvGrpSpPr/>
+        <p:nvPr/>
+      </p:nvGrpSpPr>
+      <p:grpSpPr>
+        <a:xfrm>
+          <a:off x="0" y="0"/>
+          <a:ext cx="0" cy="0"/>
+          <a:chOff x="0" y="0"/>
+          <a:chExt cx="0" cy="0"/>
+        </a:xfrm>
+      </p:grpSpPr>
+      <p:sp>
+        <p:nvSpPr>
+          <p:cNvPr id="2" name="Slide Image Placeholder 1"/>
+          <p:cNvSpPr>
+            <a:spLocks noGrp="1" noRot="1" noChangeAspect="1"/>
+          </p:cNvSpPr>
+          <p:nvPr>
+            <p:ph type="sldImg"/>
+          </p:nvPr>
+        </p:nvSpPr>
+        <p:spPr/>
+      </p:sp>
+      <p:sp>
+        <p:nvSpPr>
+          <p:cNvPr id="3" name="Notes Placeholder 2"/>
+          <p:cNvSpPr>
+            <a:spLocks noGrp="1"/>
+          </p:cNvSpPr>
+          <p:nvPr>
+            <p:ph type="body" idx="1"/>
+          </p:nvPr>
+        </p:nvSpPr>
+        <p:spPr/>
+        <p:txBody>
+          <a:bodyPr/>
+          <a:lstStyle/>
+          <a:p>
+            <a:endParaRPr lang="en-US"/>
+          </a:p>
+        </p:txBody>
+      </p:sp>
+      <p:sp>
+        <p:nvSpPr>
+          <p:cNvPr id="4" name="Slide Number Placeholder 3"/>
+          <p:cNvSpPr>
+            <a:spLocks noGrp="1"/>
+          </p:cNvSpPr>
+          <p:nvPr>
+            <p:ph type="sldNum" sz="quarter" idx="5"/>
+          </p:nvPr>
+        </p:nvSpPr>
+        <p:spPr/>
+        <p:txBody>
+          <a:bodyPr/>
+          <a:lstStyle/>
+          <a:p>
+            <a:fld id="{F88513B2-5834-7F44-92C6-32D9C72F6072}" type="slidenum">
+              <a:rPr lang="en-US" smtClean="0"/>
+              <a:t>4</a:t>
+            </a:fld>
+            <a:endParaRPr lang="en-US"/>
+          </a:p>
+        </p:txBody>
+      </p:sp>
+    </p:spTree>
+    <p:extLst>
+      <p:ext uri="{BB962C8B-B14F-4D97-AF65-F5344CB8AC3E}">
+        <p14:creationId xmlns:p14="http://schemas.microsoft.com/office/powerpoint/2010/main" val="2269530448"/>
+      </p:ext>
+    </p:extLst>
+  </p:cSld>
+  <p:clrMapOvr>
+    <a:masterClrMapping/>
+  </p:clrMapOvr>
+</p:notes>
+</file>
+
+<file path=ppt/notesSlides/notesSlide3.xml><?xml version="1.0" encoding="utf-8"?>
 <p:notes xmlns:a="http://schemas.openxmlformats.org/drawingml/2006/main" xmlns:r="http://schemas.openxmlformats.org/officeDocument/2006/relationships" xmlns:p="http://schemas.openxmlformats.org/presentationml/2006/main" showMasterSp="0" showMasterPhAnim="0">
   <p:cSld>
     <p:spTree>
@@ -1790,93 +1976,6 @@
 </p:notes>
 </file>
 
-<file path=ppt/notesSlides/notesSlide3.xml><?xml version="1.0" encoding="utf-8"?>
-<p:notes xmlns:a="http://schemas.openxmlformats.org/drawingml/2006/main" xmlns:r="http://schemas.openxmlformats.org/officeDocument/2006/relationships" xmlns:p="http://schemas.openxmlformats.org/presentationml/2006/main">
-  <p:cSld>
-    <p:spTree>
-      <p:nvGrpSpPr>
-        <p:cNvPr id="1" name=""/>
-        <p:cNvGrpSpPr/>
-        <p:nvPr/>
-      </p:nvGrpSpPr>
-      <p:grpSpPr>
-        <a:xfrm>
-          <a:off x="0" y="0"/>
-          <a:ext cx="0" cy="0"/>
-          <a:chOff x="0" y="0"/>
-          <a:chExt cx="0" cy="0"/>
-        </a:xfrm>
-      </p:grpSpPr>
-      <p:sp>
-        <p:nvSpPr>
-          <p:cNvPr id="2" name="Slide Image Placeholder 1"/>
-          <p:cNvSpPr>
-            <a:spLocks noGrp="1" noRot="1" noChangeAspect="1"/>
-          </p:cNvSpPr>
-          <p:nvPr>
-            <p:ph type="sldImg"/>
-          </p:nvPr>
-        </p:nvSpPr>
-        <p:spPr/>
-      </p:sp>
-      <p:sp>
-        <p:nvSpPr>
-          <p:cNvPr id="3" name="Notes Placeholder 2"/>
-          <p:cNvSpPr>
-            <a:spLocks noGrp="1"/>
-          </p:cNvSpPr>
-          <p:nvPr>
-            <p:ph type="body" idx="1"/>
-          </p:nvPr>
-        </p:nvSpPr>
-        <p:spPr/>
-        <p:txBody>
-          <a:bodyPr/>
-          <a:lstStyle/>
-          <a:p>
-            <a:r>
-              <a:rPr lang="en-US" dirty="0"/>
-              <a:t>in this video, we will talk about C language. As a quick review for the fundamentals of C, I will show you a C program and talk about the language based on the example.</a:t>
-            </a:r>
-          </a:p>
-        </p:txBody>
-      </p:sp>
-      <p:sp>
-        <p:nvSpPr>
-          <p:cNvPr id="4" name="Slide Number Placeholder 3"/>
-          <p:cNvSpPr>
-            <a:spLocks noGrp="1"/>
-          </p:cNvSpPr>
-          <p:nvPr>
-            <p:ph type="sldNum" sz="quarter" idx="5"/>
-          </p:nvPr>
-        </p:nvSpPr>
-        <p:spPr/>
-        <p:txBody>
-          <a:bodyPr/>
-          <a:lstStyle/>
-          <a:p>
-            <a:fld id="{F88513B2-5834-7F44-92C6-32D9C72F6072}" type="slidenum">
-              <a:rPr lang="en-US" smtClean="0"/>
-              <a:t>3</a:t>
-            </a:fld>
-            <a:endParaRPr lang="en-US"/>
-          </a:p>
-        </p:txBody>
-      </p:sp>
-    </p:spTree>
-    <p:extLst>
-      <p:ext uri="{BB962C8B-B14F-4D97-AF65-F5344CB8AC3E}">
-        <p14:creationId xmlns:p14="http://schemas.microsoft.com/office/powerpoint/2010/main" val="3635384966"/>
-      </p:ext>
-    </p:extLst>
-  </p:cSld>
-  <p:clrMapOvr>
-    <a:masterClrMapping/>
-  </p:clrMapOvr>
-</p:notes>
-</file>
-
 <file path=ppt/notesSlides/notesSlide4.xml><?xml version="1.0" encoding="utf-8"?>
 <p:notes xmlns:a="http://schemas.openxmlformats.org/drawingml/2006/main" xmlns:r="http://schemas.openxmlformats.org/officeDocument/2006/relationships" xmlns:p="http://schemas.openxmlformats.org/presentationml/2006/main">
   <p:cSld>
@@ -1921,30 +2020,10 @@
           <a:bodyPr/>
           <a:lstStyle/>
           <a:p>
-            <a:pPr marL="0" marR="0" lvl="0" indent="0" algn="l" defTabSz="914400" rtl="0" eaLnBrk="1" fontAlgn="auto" latinLnBrk="0" hangingPunct="1">
-              <a:lnSpc>
-                <a:spcPct val="100000"/>
-              </a:lnSpc>
-              <a:spcBef>
-                <a:spcPts val="0"/>
-              </a:spcBef>
-              <a:spcAft>
-                <a:spcPts val="0"/>
-              </a:spcAft>
-              <a:buClrTx/>
-              <a:buSzTx/>
-              <a:buFontTx/>
-              <a:buNone/>
-              <a:tabLst/>
-              <a:defRPr/>
-            </a:pPr>
             <a:r>
               <a:rPr lang="en-US" dirty="0"/>
-              <a:t>Variable, pointer, function, malloc </a:t>
-            </a:r>
-          </a:p>
-          <a:p>
-            <a:endParaRPr lang="en-US" dirty="0"/>
+              <a:t>in this video, we will talk about C language. As a quick review for the fundamentals of C, I will show you a C program and talk about the language based on the example.</a:t>
+            </a:r>
           </a:p>
         </p:txBody>
       </p:sp>
@@ -1965,7 +2044,7 @@
           <a:p>
             <a:fld id="{F88513B2-5834-7F44-92C6-32D9C72F6072}" type="slidenum">
               <a:rPr lang="en-US" smtClean="0"/>
-              <a:t>4</a:t>
+              <a:t>6</a:t>
             </a:fld>
             <a:endParaRPr lang="en-US"/>
           </a:p>
@@ -1974,7 +2053,7 @@
     </p:spTree>
     <p:extLst>
       <p:ext uri="{BB962C8B-B14F-4D97-AF65-F5344CB8AC3E}">
-        <p14:creationId xmlns:p14="http://schemas.microsoft.com/office/powerpoint/2010/main" val="1394484195"/>
+        <p14:creationId xmlns:p14="http://schemas.microsoft.com/office/powerpoint/2010/main" val="3635384966"/>
       </p:ext>
     </p:extLst>
   </p:cSld>
@@ -2046,26 +2125,12 @@
               <a:defRPr/>
             </a:pPr>
             <a:r>
-              <a:rPr lang="en-US" i="1" dirty="0">
-                <a:solidFill>
-                  <a:srgbClr val="408080"/>
-                </a:solidFill>
-                <a:latin typeface="Courier" pitchFamily="2" charset="0"/>
-              </a:rPr>
-              <a:t>// What's the type of book should I put here?</a:t>
-            </a:r>
-            <a:endParaRPr lang="en-US" dirty="0">
-              <a:solidFill>
-                <a:srgbClr val="408080"/>
-              </a:solidFill>
-              <a:latin typeface="Courier" pitchFamily="2" charset="0"/>
-            </a:endParaRPr>
-          </a:p>
-          <a:p>
-            <a:r>
               <a:rPr lang="en-US" dirty="0"/>
-              <a:t>// what if I comment out the initialization?</a:t>
-            </a:r>
+              <a:t>Variable, pointer, function, malloc </a:t>
+            </a:r>
+          </a:p>
+          <a:p>
+            <a:endParaRPr lang="en-US" dirty="0"/>
           </a:p>
         </p:txBody>
       </p:sp>
@@ -2086,7 +2151,7 @@
           <a:p>
             <a:fld id="{F88513B2-5834-7F44-92C6-32D9C72F6072}" type="slidenum">
               <a:rPr lang="en-US" smtClean="0"/>
-              <a:t>6</a:t>
+              <a:t>7</a:t>
             </a:fld>
             <a:endParaRPr lang="en-US"/>
           </a:p>
@@ -2095,7 +2160,7 @@
     </p:spTree>
     <p:extLst>
       <p:ext uri="{BB962C8B-B14F-4D97-AF65-F5344CB8AC3E}">
-        <p14:creationId xmlns:p14="http://schemas.microsoft.com/office/powerpoint/2010/main" val="1512716446"/>
+        <p14:creationId xmlns:p14="http://schemas.microsoft.com/office/powerpoint/2010/main" val="1394484195"/>
       </p:ext>
     </p:extLst>
   </p:cSld>
@@ -2149,7 +2214,44 @@
           <a:bodyPr/>
           <a:lstStyle/>
           <a:p>
-            <a:endParaRPr lang="en-US" dirty="0"/>
+            <a:pPr marL="0" marR="0" lvl="0" indent="0" algn="l" defTabSz="914400" rtl="0" eaLnBrk="1" fontAlgn="auto" latinLnBrk="0" hangingPunct="1">
+              <a:lnSpc>
+                <a:spcPct val="100000"/>
+              </a:lnSpc>
+              <a:spcBef>
+                <a:spcPts val="0"/>
+              </a:spcBef>
+              <a:spcAft>
+                <a:spcPts val="0"/>
+              </a:spcAft>
+              <a:buClrTx/>
+              <a:buSzTx/>
+              <a:buFontTx/>
+              <a:buNone/>
+              <a:tabLst/>
+              <a:defRPr/>
+            </a:pPr>
+            <a:r>
+              <a:rPr lang="en-US" i="1" dirty="0">
+                <a:solidFill>
+                  <a:srgbClr val="408080"/>
+                </a:solidFill>
+                <a:latin typeface="Courier" pitchFamily="2" charset="0"/>
+              </a:rPr>
+              <a:t>// What's the type of book should I put here?</a:t>
+            </a:r>
+            <a:endParaRPr lang="en-US" dirty="0">
+              <a:solidFill>
+                <a:srgbClr val="408080"/>
+              </a:solidFill>
+              <a:latin typeface="Courier" pitchFamily="2" charset="0"/>
+            </a:endParaRPr>
+          </a:p>
+          <a:p>
+            <a:r>
+              <a:rPr lang="en-US" dirty="0"/>
+              <a:t>// what if I comment out the initialization?</a:t>
+            </a:r>
           </a:p>
         </p:txBody>
       </p:sp>
@@ -2170,7 +2272,7 @@
           <a:p>
             <a:fld id="{F88513B2-5834-7F44-92C6-32D9C72F6072}" type="slidenum">
               <a:rPr lang="en-US" smtClean="0"/>
-              <a:t>10</a:t>
+              <a:t>9</a:t>
             </a:fld>
             <a:endParaRPr lang="en-US"/>
           </a:p>
@@ -2179,7 +2281,7 @@
     </p:spTree>
     <p:extLst>
       <p:ext uri="{BB962C8B-B14F-4D97-AF65-F5344CB8AC3E}">
-        <p14:creationId xmlns:p14="http://schemas.microsoft.com/office/powerpoint/2010/main" val="764518071"/>
+        <p14:creationId xmlns:p14="http://schemas.microsoft.com/office/powerpoint/2010/main" val="1512716446"/>
       </p:ext>
     </p:extLst>
   </p:cSld>
@@ -2254,7 +2356,7 @@
           <a:p>
             <a:fld id="{F88513B2-5834-7F44-92C6-32D9C72F6072}" type="slidenum">
               <a:rPr lang="en-US" smtClean="0"/>
-              <a:t>11</a:t>
+              <a:t>13</a:t>
             </a:fld>
             <a:endParaRPr lang="en-US"/>
           </a:p>
@@ -2263,7 +2365,7 @@
     </p:spTree>
     <p:extLst>
       <p:ext uri="{BB962C8B-B14F-4D97-AF65-F5344CB8AC3E}">
-        <p14:creationId xmlns:p14="http://schemas.microsoft.com/office/powerpoint/2010/main" val="1001948490"/>
+        <p14:creationId xmlns:p14="http://schemas.microsoft.com/office/powerpoint/2010/main" val="764518071"/>
       </p:ext>
     </p:extLst>
   </p:cSld>
@@ -2317,27 +2419,7 @@
           <a:bodyPr/>
           <a:lstStyle/>
           <a:p>
-            <a:pPr marL="0" marR="0" lvl="0" indent="0" algn="l" defTabSz="914400" rtl="0" eaLnBrk="1" fontAlgn="auto" latinLnBrk="0" hangingPunct="1">
-              <a:lnSpc>
-                <a:spcPct val="100000"/>
-              </a:lnSpc>
-              <a:spcBef>
-                <a:spcPts val="0"/>
-              </a:spcBef>
-              <a:spcAft>
-                <a:spcPts val="0"/>
-              </a:spcAft>
-              <a:buClrTx/>
-              <a:buSzTx/>
-              <a:buFontTx/>
-              <a:buNone/>
-              <a:tabLst/>
-              <a:defRPr/>
-            </a:pPr>
-            <a:r>
-              <a:rPr lang="en-US" dirty="0"/>
-              <a:t>We know that computer is a world of 0 and 1. So if you look at what’s going on in your computer, you will actually see 0s and 1s everywhere. This looks way too subtle, so scientists come up with the notation of byte. At the beginning, the number of bits in a byte was hardware dependent. There were 6-bit and 9-bit byte computers in 1960s, and at that time, people often use the term syllable as a group of bit streams.</a:t>
-            </a:r>
+            <a:endParaRPr lang="en-US" dirty="0"/>
           </a:p>
         </p:txBody>
       </p:sp>
@@ -2358,7 +2440,7 @@
           <a:p>
             <a:fld id="{F88513B2-5834-7F44-92C6-32D9C72F6072}" type="slidenum">
               <a:rPr lang="en-US" smtClean="0"/>
-              <a:t>13</a:t>
+              <a:t>14</a:t>
             </a:fld>
             <a:endParaRPr lang="en-US"/>
           </a:p>
@@ -2367,7 +2449,7 @@
     </p:spTree>
     <p:extLst>
       <p:ext uri="{BB962C8B-B14F-4D97-AF65-F5344CB8AC3E}">
-        <p14:creationId xmlns:p14="http://schemas.microsoft.com/office/powerpoint/2010/main" val="3576499347"/>
+        <p14:creationId xmlns:p14="http://schemas.microsoft.com/office/powerpoint/2010/main" val="1001948490"/>
       </p:ext>
     </p:extLst>
   </p:cSld>
@@ -2421,18 +2503,26 @@
           <a:bodyPr/>
           <a:lstStyle/>
           <a:p>
+            <a:pPr marL="0" marR="0" lvl="0" indent="0" algn="l" defTabSz="914400" rtl="0" eaLnBrk="1" fontAlgn="auto" latinLnBrk="0" hangingPunct="1">
+              <a:lnSpc>
+                <a:spcPct val="100000"/>
+              </a:lnSpc>
+              <a:spcBef>
+                <a:spcPts val="0"/>
+              </a:spcBef>
+              <a:spcAft>
+                <a:spcPts val="0"/>
+              </a:spcAft>
+              <a:buClrTx/>
+              <a:buSzTx/>
+              <a:buFontTx/>
+              <a:buNone/>
+              <a:tabLst/>
+              <a:defRPr/>
+            </a:pPr>
             <a:r>
               <a:rPr lang="en-US" dirty="0"/>
-              <a:t>In 1990s, 8-bit byte becomes a standard, and modern architectures such as x86 and arm start to commonly use 8-bit as the smallest building block of storage.</a:t>
-            </a:r>
-          </a:p>
-          <a:p>
-            <a:endParaRPr lang="en-US" dirty="0"/>
-          </a:p>
-          <a:p>
-            <a:r>
-              <a:rPr lang="en-US" dirty="0"/>
-              <a:t>since 8 bits will become the smallest building block of storage, it will be commonly used and referred. How should we represent a byte conveniently?</a:t>
+              <a:t>We know that computer is a world of 0 and 1. So if you look at what’s going on in your computer, you will actually see 0s and 1s everywhere. This looks way too subtle, so scientists come up with the notation of byte. At the beginning, the number of bits in a byte was hardware dependent. There were 6-bit and 9-bit byte computers in 1960s, and at that time, people often use the term syllable as a group of bit streams.</a:t>
             </a:r>
           </a:p>
         </p:txBody>
@@ -2454,7 +2544,7 @@
           <a:p>
             <a:fld id="{F88513B2-5834-7F44-92C6-32D9C72F6072}" type="slidenum">
               <a:rPr lang="en-US" smtClean="0"/>
-              <a:t>14</a:t>
+              <a:t>16</a:t>
             </a:fld>
             <a:endParaRPr lang="en-US"/>
           </a:p>
@@ -2463,7 +2553,7 @@
     </p:spTree>
     <p:extLst>
       <p:ext uri="{BB962C8B-B14F-4D97-AF65-F5344CB8AC3E}">
-        <p14:creationId xmlns:p14="http://schemas.microsoft.com/office/powerpoint/2010/main" val="142826213"/>
+        <p14:creationId xmlns:p14="http://schemas.microsoft.com/office/powerpoint/2010/main" val="3576499347"/>
       </p:ext>
     </p:extLst>
   </p:cSld>
@@ -2931,7 +3021,7 @@
           <a:p>
             <a:fld id="{052A4D3D-81C0-A947-A8BB-83CC1E445D14}" type="datetimeFigureOut">
               <a:rPr lang="en-US" smtClean="0"/>
-              <a:t>8/20/20</a:t>
+              <a:t>8/27/20</a:t>
             </a:fld>
             <a:endParaRPr lang="en-US"/>
           </a:p>
@@ -8266,10 +8356,98 @@
       </p:grpSpPr>
       <p:sp>
         <p:nvSpPr>
+          <p:cNvPr id="2" name="Title 1">
+            <a:extLst>
+              <a:ext uri="{FF2B5EF4-FFF2-40B4-BE49-F238E27FC236}">
+                <a16:creationId xmlns:a16="http://schemas.microsoft.com/office/drawing/2014/main" id="{E932B692-9624-6A42-B440-2A39542EEB78}"/>
+              </a:ext>
+            </a:extLst>
+          </p:cNvPr>
+          <p:cNvSpPr>
+            <a:spLocks noGrp="1"/>
+          </p:cNvSpPr>
+          <p:nvPr>
+            <p:ph type="ctrTitle"/>
+          </p:nvPr>
+        </p:nvSpPr>
+        <p:spPr/>
+        <p:txBody>
+          <a:bodyPr/>
+          <a:lstStyle/>
+          <a:p>
+            <a:r>
+              <a:rPr lang="en-US" dirty="0"/>
+              <a:t>Python 101</a:t>
+            </a:r>
+          </a:p>
+        </p:txBody>
+      </p:sp>
+      <p:sp>
+        <p:nvSpPr>
+          <p:cNvPr id="3" name="Subtitle 2">
+            <a:extLst>
+              <a:ext uri="{FF2B5EF4-FFF2-40B4-BE49-F238E27FC236}">
+                <a16:creationId xmlns:a16="http://schemas.microsoft.com/office/drawing/2014/main" id="{99921C55-39C2-864A-8E10-3A096AD86755}"/>
+              </a:ext>
+            </a:extLst>
+          </p:cNvPr>
+          <p:cNvSpPr>
+            <a:spLocks noGrp="1"/>
+          </p:cNvSpPr>
+          <p:nvPr>
+            <p:ph type="subTitle" idx="4294967295"/>
+          </p:nvPr>
+        </p:nvSpPr>
+        <p:spPr>
+          <a:xfrm>
+            <a:off x="5468167" y="3583535"/>
+            <a:ext cx="5023200" cy="1046400"/>
+          </a:xfrm>
+        </p:spPr>
+        <p:txBody>
+          <a:bodyPr/>
+          <a:lstStyle/>
+          <a:p>
+            <a:endParaRPr lang="en-US"/>
+          </a:p>
+        </p:txBody>
+      </p:sp>
+    </p:spTree>
+    <p:extLst>
+      <p:ext uri="{BB962C8B-B14F-4D97-AF65-F5344CB8AC3E}">
+        <p14:creationId xmlns:p14="http://schemas.microsoft.com/office/powerpoint/2010/main" val="2790095543"/>
+      </p:ext>
+    </p:extLst>
+  </p:cSld>
+  <p:clrMapOvr>
+    <a:masterClrMapping/>
+  </p:clrMapOvr>
+</p:sld>
+</file>
+
+<file path=ppt/slides/slide11.xml><?xml version="1.0" encoding="utf-8"?>
+<p:sld xmlns:a="http://schemas.openxmlformats.org/drawingml/2006/main" xmlns:r="http://schemas.openxmlformats.org/officeDocument/2006/relationships" xmlns:p="http://schemas.openxmlformats.org/presentationml/2006/main">
+  <p:cSld>
+    <p:spTree>
+      <p:nvGrpSpPr>
+        <p:cNvPr id="1" name=""/>
+        <p:cNvGrpSpPr/>
+        <p:nvPr/>
+      </p:nvGrpSpPr>
+      <p:grpSpPr>
+        <a:xfrm>
+          <a:off x="0" y="0"/>
+          <a:ext cx="0" cy="0"/>
+          <a:chOff x="0" y="0"/>
+          <a:chExt cx="0" cy="0"/>
+        </a:xfrm>
+      </p:grpSpPr>
+      <p:sp>
+        <p:nvSpPr>
           <p:cNvPr id="4" name="Title 3">
             <a:extLst>
               <a:ext uri="{FF2B5EF4-FFF2-40B4-BE49-F238E27FC236}">
-                <a16:creationId xmlns:a16="http://schemas.microsoft.com/office/drawing/2014/main" id="{C486846D-F1C2-A844-91CA-D2F8EE23633C}"/>
+                <a16:creationId xmlns:a16="http://schemas.microsoft.com/office/drawing/2014/main" id="{19B66F7D-2A9A-F647-ABB7-078E3349DD26}"/>
               </a:ext>
             </a:extLst>
           </p:cNvPr>
@@ -8285,7 +8463,10 @@
           <a:bodyPr/>
           <a:lstStyle/>
           <a:p>
-            <a:endParaRPr lang="en-US"/>
+            <a:r>
+              <a:rPr lang="en-US" dirty="0"/>
+              <a:t>We are going to…</a:t>
+            </a:r>
           </a:p>
         </p:txBody>
       </p:sp>
@@ -8294,7 +8475,7 @@
           <p:cNvPr id="5" name="Text Placeholder 4">
             <a:extLst>
               <a:ext uri="{FF2B5EF4-FFF2-40B4-BE49-F238E27FC236}">
-                <a16:creationId xmlns:a16="http://schemas.microsoft.com/office/drawing/2014/main" id="{D35ABAEB-82A2-B54B-8E22-C1DF30A5A8B9}"/>
+                <a16:creationId xmlns:a16="http://schemas.microsoft.com/office/drawing/2014/main" id="{ED3CAD1F-1127-1F4F-B229-66B7516D75C3}"/>
               </a:ext>
             </a:extLst>
           </p:cNvPr>
@@ -8310,57 +8491,15 @@
           <a:bodyPr/>
           <a:lstStyle/>
           <a:p>
-            <a:pPr>
-              <a:buFont typeface="+mj-lt"/>
-              <a:buAutoNum type="arabicPeriod"/>
-            </a:pPr>
             <a:r>
               <a:rPr lang="en-US" dirty="0"/>
-              <a:t>Run the service we wrote in Python 101</a:t>
-            </a:r>
-          </a:p>
-          <a:p>
-            <a:pPr lvl="1"/>
-            <a:r>
-              <a:rPr lang="en-US" dirty="0" err="1"/>
-              <a:t>xinetd</a:t>
-            </a:r>
-            <a:endParaRPr lang="en-US" dirty="0"/>
-          </a:p>
-          <a:p>
-            <a:pPr lvl="1"/>
-            <a:r>
-              <a:rPr lang="en-US" dirty="0" err="1"/>
-              <a:t>tcpserver</a:t>
-            </a:r>
-            <a:endParaRPr lang="en-US" dirty="0"/>
-          </a:p>
-          <a:p>
-            <a:pPr>
-              <a:buFont typeface="+mj-lt"/>
-              <a:buAutoNum type="arabicPeriod"/>
-            </a:pPr>
+              <a:t>Write an interactive server</a:t>
+            </a:r>
+          </a:p>
+          <a:p>
             <a:r>
               <a:rPr lang="en-US" dirty="0"/>
-              <a:t>Connect and interact with the service</a:t>
-            </a:r>
-          </a:p>
-          <a:p>
-            <a:pPr lvl="1"/>
-            <a:r>
-              <a:rPr lang="en-US" dirty="0" err="1"/>
-              <a:t>nc</a:t>
-            </a:r>
-            <a:endParaRPr lang="en-US" dirty="0"/>
-          </a:p>
-          <a:p>
-            <a:pPr>
-              <a:buFont typeface="+mj-lt"/>
-              <a:buAutoNum type="arabicPeriod"/>
-            </a:pPr>
-            <a:r>
-              <a:rPr lang="en-US" dirty="0"/>
-              <a:t>Use the client script to interact </a:t>
+              <a:t>Interact with the server</a:t>
             </a:r>
           </a:p>
         </p:txBody>
@@ -8368,7 +8507,7 @@
     </p:spTree>
     <p:extLst>
       <p:ext uri="{BB962C8B-B14F-4D97-AF65-F5344CB8AC3E}">
-        <p14:creationId xmlns:p14="http://schemas.microsoft.com/office/powerpoint/2010/main" val="1141235452"/>
+        <p14:creationId xmlns:p14="http://schemas.microsoft.com/office/powerpoint/2010/main" val="257923781"/>
       </p:ext>
     </p:extLst>
   </p:cSld>
@@ -8378,7 +8517,7 @@
 </p:sld>
 </file>
 
-<file path=ppt/slides/slide11.xml><?xml version="1.0" encoding="utf-8"?>
+<file path=ppt/slides/slide12.xml><?xml version="1.0" encoding="utf-8"?>
 <p:sld xmlns:a="http://schemas.openxmlformats.org/drawingml/2006/main" xmlns:r="http://schemas.openxmlformats.org/officeDocument/2006/relationships" xmlns:p="http://schemas.openxmlformats.org/presentationml/2006/main">
   <p:cSld>
     <p:spTree>
@@ -8418,6 +8557,225 @@
           <a:p>
             <a:r>
               <a:rPr lang="en-US" dirty="0"/>
+              <a:t>Bash 101</a:t>
+            </a:r>
+          </a:p>
+        </p:txBody>
+      </p:sp>
+      <p:sp>
+        <p:nvSpPr>
+          <p:cNvPr id="5" name="Subtitle 4">
+            <a:extLst>
+              <a:ext uri="{FF2B5EF4-FFF2-40B4-BE49-F238E27FC236}">
+                <a16:creationId xmlns:a16="http://schemas.microsoft.com/office/drawing/2014/main" id="{FE5FC235-DC69-0841-8088-EB4764CBECF5}"/>
+              </a:ext>
+            </a:extLst>
+          </p:cNvPr>
+          <p:cNvSpPr>
+            <a:spLocks noGrp="1"/>
+          </p:cNvSpPr>
+          <p:nvPr>
+            <p:ph type="subTitle" idx="4294967295"/>
+          </p:nvPr>
+        </p:nvSpPr>
+        <p:spPr>
+          <a:xfrm>
+            <a:off x="5468167" y="3583535"/>
+            <a:ext cx="5023200" cy="1046400"/>
+          </a:xfrm>
+        </p:spPr>
+        <p:txBody>
+          <a:bodyPr/>
+          <a:lstStyle/>
+          <a:p>
+            <a:endParaRPr lang="en-US"/>
+          </a:p>
+        </p:txBody>
+      </p:sp>
+    </p:spTree>
+    <p:extLst>
+      <p:ext uri="{BB962C8B-B14F-4D97-AF65-F5344CB8AC3E}">
+        <p14:creationId xmlns:p14="http://schemas.microsoft.com/office/powerpoint/2010/main" val="2908482924"/>
+      </p:ext>
+    </p:extLst>
+  </p:cSld>
+  <p:clrMapOvr>
+    <a:masterClrMapping/>
+  </p:clrMapOvr>
+</p:sld>
+</file>
+
+<file path=ppt/slides/slide13.xml><?xml version="1.0" encoding="utf-8"?>
+<p:sld xmlns:a="http://schemas.openxmlformats.org/drawingml/2006/main" xmlns:r="http://schemas.openxmlformats.org/officeDocument/2006/relationships" xmlns:p="http://schemas.openxmlformats.org/presentationml/2006/main">
+  <p:cSld>
+    <p:spTree>
+      <p:nvGrpSpPr>
+        <p:cNvPr id="1" name=""/>
+        <p:cNvGrpSpPr/>
+        <p:nvPr/>
+      </p:nvGrpSpPr>
+      <p:grpSpPr>
+        <a:xfrm>
+          <a:off x="0" y="0"/>
+          <a:ext cx="0" cy="0"/>
+          <a:chOff x="0" y="0"/>
+          <a:chExt cx="0" cy="0"/>
+        </a:xfrm>
+      </p:grpSpPr>
+      <p:sp>
+        <p:nvSpPr>
+          <p:cNvPr id="4" name="Title 3">
+            <a:extLst>
+              <a:ext uri="{FF2B5EF4-FFF2-40B4-BE49-F238E27FC236}">
+                <a16:creationId xmlns:a16="http://schemas.microsoft.com/office/drawing/2014/main" id="{C486846D-F1C2-A844-91CA-D2F8EE23633C}"/>
+              </a:ext>
+            </a:extLst>
+          </p:cNvPr>
+          <p:cNvSpPr>
+            <a:spLocks noGrp="1"/>
+          </p:cNvSpPr>
+          <p:nvPr>
+            <p:ph type="title"/>
+          </p:nvPr>
+        </p:nvSpPr>
+        <p:spPr/>
+        <p:txBody>
+          <a:bodyPr/>
+          <a:lstStyle/>
+          <a:p>
+            <a:endParaRPr lang="en-US"/>
+          </a:p>
+        </p:txBody>
+      </p:sp>
+      <p:sp>
+        <p:nvSpPr>
+          <p:cNvPr id="5" name="Text Placeholder 4">
+            <a:extLst>
+              <a:ext uri="{FF2B5EF4-FFF2-40B4-BE49-F238E27FC236}">
+                <a16:creationId xmlns:a16="http://schemas.microsoft.com/office/drawing/2014/main" id="{D35ABAEB-82A2-B54B-8E22-C1DF30A5A8B9}"/>
+              </a:ext>
+            </a:extLst>
+          </p:cNvPr>
+          <p:cNvSpPr>
+            <a:spLocks noGrp="1"/>
+          </p:cNvSpPr>
+          <p:nvPr>
+            <p:ph type="body" idx="1"/>
+          </p:nvPr>
+        </p:nvSpPr>
+        <p:spPr/>
+        <p:txBody>
+          <a:bodyPr/>
+          <a:lstStyle/>
+          <a:p>
+            <a:pPr>
+              <a:buFont typeface="+mj-lt"/>
+              <a:buAutoNum type="arabicPeriod"/>
+            </a:pPr>
+            <a:r>
+              <a:rPr lang="en-US" dirty="0"/>
+              <a:t>Run the service we wrote in Python 101</a:t>
+            </a:r>
+          </a:p>
+          <a:p>
+            <a:pPr lvl="1"/>
+            <a:r>
+              <a:rPr lang="en-US" dirty="0" err="1"/>
+              <a:t>xinetd</a:t>
+            </a:r>
+            <a:endParaRPr lang="en-US" dirty="0"/>
+          </a:p>
+          <a:p>
+            <a:pPr lvl="1"/>
+            <a:r>
+              <a:rPr lang="en-US" dirty="0" err="1"/>
+              <a:t>tcpserver</a:t>
+            </a:r>
+            <a:endParaRPr lang="en-US" dirty="0"/>
+          </a:p>
+          <a:p>
+            <a:pPr>
+              <a:buFont typeface="+mj-lt"/>
+              <a:buAutoNum type="arabicPeriod"/>
+            </a:pPr>
+            <a:r>
+              <a:rPr lang="en-US" dirty="0"/>
+              <a:t>Connect and interact with the service</a:t>
+            </a:r>
+          </a:p>
+          <a:p>
+            <a:pPr lvl="1"/>
+            <a:r>
+              <a:rPr lang="en-US" dirty="0" err="1"/>
+              <a:t>nc</a:t>
+            </a:r>
+            <a:endParaRPr lang="en-US" dirty="0"/>
+          </a:p>
+          <a:p>
+            <a:pPr>
+              <a:buFont typeface="+mj-lt"/>
+              <a:buAutoNum type="arabicPeriod"/>
+            </a:pPr>
+            <a:r>
+              <a:rPr lang="en-US" dirty="0"/>
+              <a:t>Use the client script to interact </a:t>
+            </a:r>
+          </a:p>
+        </p:txBody>
+      </p:sp>
+    </p:spTree>
+    <p:extLst>
+      <p:ext uri="{BB962C8B-B14F-4D97-AF65-F5344CB8AC3E}">
+        <p14:creationId xmlns:p14="http://schemas.microsoft.com/office/powerpoint/2010/main" val="1141235452"/>
+      </p:ext>
+    </p:extLst>
+  </p:cSld>
+  <p:clrMapOvr>
+    <a:masterClrMapping/>
+  </p:clrMapOvr>
+</p:sld>
+</file>
+
+<file path=ppt/slides/slide14.xml><?xml version="1.0" encoding="utf-8"?>
+<p:sld xmlns:a="http://schemas.openxmlformats.org/drawingml/2006/main" xmlns:r="http://schemas.openxmlformats.org/officeDocument/2006/relationships" xmlns:p="http://schemas.openxmlformats.org/presentationml/2006/main">
+  <p:cSld>
+    <p:spTree>
+      <p:nvGrpSpPr>
+        <p:cNvPr id="1" name=""/>
+        <p:cNvGrpSpPr/>
+        <p:nvPr/>
+      </p:nvGrpSpPr>
+      <p:grpSpPr>
+        <a:xfrm>
+          <a:off x="0" y="0"/>
+          <a:ext cx="0" cy="0"/>
+          <a:chOff x="0" y="0"/>
+          <a:chExt cx="0" cy="0"/>
+        </a:xfrm>
+      </p:grpSpPr>
+      <p:sp>
+        <p:nvSpPr>
+          <p:cNvPr id="4" name="Title 3">
+            <a:extLst>
+              <a:ext uri="{FF2B5EF4-FFF2-40B4-BE49-F238E27FC236}">
+                <a16:creationId xmlns:a16="http://schemas.microsoft.com/office/drawing/2014/main" id="{584D8134-B822-4D47-B9E7-B9770F297E91}"/>
+              </a:ext>
+            </a:extLst>
+          </p:cNvPr>
+          <p:cNvSpPr>
+            <a:spLocks noGrp="1"/>
+          </p:cNvSpPr>
+          <p:nvPr>
+            <p:ph type="ctrTitle"/>
+          </p:nvPr>
+        </p:nvSpPr>
+        <p:spPr/>
+        <p:txBody>
+          <a:bodyPr/>
+          <a:lstStyle/>
+          <a:p>
+            <a:r>
+              <a:rPr lang="en-US" dirty="0"/>
               <a:t>Byte and Endianness</a:t>
             </a:r>
           </a:p>
@@ -8436,7 +8794,7 @@
 </p:sld>
 </file>
 
-<file path=ppt/slides/slide12.xml><?xml version="1.0" encoding="utf-8"?>
+<file path=ppt/slides/slide15.xml><?xml version="1.0" encoding="utf-8"?>
 <p:sld xmlns:a="http://schemas.openxmlformats.org/drawingml/2006/main" xmlns:r="http://schemas.openxmlformats.org/officeDocument/2006/relationships" xmlns:p="http://schemas.openxmlformats.org/presentationml/2006/main">
   <p:cSld>
     <p:spTree>
@@ -8530,7 +8888,7 @@
 </p:sld>
 </file>
 
-<file path=ppt/slides/slide13.xml><?xml version="1.0" encoding="utf-8"?>
+<file path=ppt/slides/slide16.xml><?xml version="1.0" encoding="utf-8"?>
 <p:sld xmlns:a="http://schemas.openxmlformats.org/drawingml/2006/main" xmlns:r="http://schemas.openxmlformats.org/officeDocument/2006/relationships" xmlns:p="http://schemas.openxmlformats.org/presentationml/2006/main">
   <p:cSld>
     <p:spTree>
@@ -8749,7 +9107,7 @@
 </p:sld>
 </file>
 
-<file path=ppt/slides/slide14.xml><?xml version="1.0" encoding="utf-8"?>
+<file path=ppt/slides/slide17.xml><?xml version="1.0" encoding="utf-8"?>
 <p:sld xmlns:a="http://schemas.openxmlformats.org/drawingml/2006/main" xmlns:r="http://schemas.openxmlformats.org/officeDocument/2006/relationships" xmlns:p="http://schemas.openxmlformats.org/presentationml/2006/main">
   <p:cSld>
     <p:spTree>
@@ -8852,7 +9210,7 @@
 </p:sld>
 </file>
 
-<file path=ppt/slides/slide15.xml><?xml version="1.0" encoding="utf-8"?>
+<file path=ppt/slides/slide18.xml><?xml version="1.0" encoding="utf-8"?>
 <p:sld xmlns:a="http://schemas.openxmlformats.org/drawingml/2006/main" xmlns:r="http://schemas.openxmlformats.org/officeDocument/2006/relationships" xmlns:p="http://schemas.openxmlformats.org/presentationml/2006/main">
   <p:cSld>
     <p:spTree>
@@ -10221,7 +10579,7 @@
 </p:sld>
 </file>
 
-<file path=ppt/slides/slide16.xml><?xml version="1.0" encoding="utf-8"?>
+<file path=ppt/slides/slide19.xml><?xml version="1.0" encoding="utf-8"?>
 <p:sld xmlns:a="http://schemas.openxmlformats.org/drawingml/2006/main" xmlns:r="http://schemas.openxmlformats.org/officeDocument/2006/relationships" xmlns:p="http://schemas.openxmlformats.org/presentationml/2006/main">
   <p:cSld>
     <p:spTree>
@@ -10947,7 +11305,764 @@
 </p:sld>
 </file>
 
-<file path=ppt/slides/slide17.xml><?xml version="1.0" encoding="utf-8"?>
+<file path=ppt/slides/slide2.xml><?xml version="1.0" encoding="utf-8"?>
+<p:sld xmlns:a="http://schemas.openxmlformats.org/drawingml/2006/main" xmlns:r="http://schemas.openxmlformats.org/officeDocument/2006/relationships" xmlns:p="http://schemas.openxmlformats.org/presentationml/2006/main">
+  <p:cSld>
+    <p:spTree>
+      <p:nvGrpSpPr>
+        <p:cNvPr id="1" name=""/>
+        <p:cNvGrpSpPr/>
+        <p:nvPr/>
+      </p:nvGrpSpPr>
+      <p:grpSpPr>
+        <a:xfrm>
+          <a:off x="0" y="0"/>
+          <a:ext cx="0" cy="0"/>
+          <a:chOff x="0" y="0"/>
+          <a:chExt cx="0" cy="0"/>
+        </a:xfrm>
+      </p:grpSpPr>
+      <p:sp>
+        <p:nvSpPr>
+          <p:cNvPr id="4" name="Text Placeholder 3">
+            <a:extLst>
+              <a:ext uri="{FF2B5EF4-FFF2-40B4-BE49-F238E27FC236}">
+                <a16:creationId xmlns:a16="http://schemas.microsoft.com/office/drawing/2014/main" id="{8C3C3D3F-2924-5640-96F7-C5E12AAEFDB1}"/>
+              </a:ext>
+            </a:extLst>
+          </p:cNvPr>
+          <p:cNvSpPr>
+            <a:spLocks noGrp="1"/>
+          </p:cNvSpPr>
+          <p:nvPr>
+            <p:ph type="body" idx="1"/>
+          </p:nvPr>
+        </p:nvSpPr>
+        <p:spPr/>
+        <p:txBody>
+          <a:bodyPr/>
+          <a:lstStyle/>
+          <a:p>
+            <a:endParaRPr lang="en-US"/>
+          </a:p>
+        </p:txBody>
+      </p:sp>
+      <p:sp>
+        <p:nvSpPr>
+          <p:cNvPr id="5" name="Google Shape;105;p16">
+            <a:extLst>
+              <a:ext uri="{FF2B5EF4-FFF2-40B4-BE49-F238E27FC236}">
+                <a16:creationId xmlns:a16="http://schemas.microsoft.com/office/drawing/2014/main" id="{2B9DF7B9-0351-334A-AC17-20409DD9D608}"/>
+              </a:ext>
+            </a:extLst>
+          </p:cNvPr>
+          <p:cNvSpPr txBox="1">
+            <a:spLocks/>
+          </p:cNvSpPr>
+          <p:nvPr/>
+        </p:nvSpPr>
+        <p:spPr>
+          <a:xfrm rot="161729">
+            <a:off x="1301681" y="1169209"/>
+            <a:ext cx="9373171" cy="1013519"/>
+          </a:xfrm>
+          <a:prstGeom prst="rect">
+            <a:avLst/>
+          </a:prstGeom>
+        </p:spPr>
+        <p:txBody>
+          <a:bodyPr spcFirstLastPara="1" wrap="square" lIns="121900" tIns="121900" rIns="121900" bIns="121900" anchor="b" anchorCtr="0">
+            <a:noAutofit/>
+          </a:bodyPr>
+          <a:lstStyle>
+            <a:defPPr marR="0" lvl="0" algn="l" rtl="0">
+              <a:lnSpc>
+                <a:spcPct val="100000"/>
+              </a:lnSpc>
+              <a:spcBef>
+                <a:spcPts val="0"/>
+              </a:spcBef>
+              <a:spcAft>
+                <a:spcPts val="0"/>
+              </a:spcAft>
+            </a:defPPr>
+            <a:lvl1pPr marR="0" lvl="0" algn="l" rtl="0" eaLnBrk="1" hangingPunct="1">
+              <a:lnSpc>
+                <a:spcPct val="100000"/>
+              </a:lnSpc>
+              <a:spcBef>
+                <a:spcPts val="0"/>
+              </a:spcBef>
+              <a:spcAft>
+                <a:spcPts val="0"/>
+              </a:spcAft>
+              <a:buClr>
+                <a:srgbClr val="000000"/>
+              </a:buClr>
+              <a:buFont typeface="Arial"/>
+              <a:defRPr sz="1867" b="0" i="0" u="none" strike="noStrike" cap="none">
+                <a:solidFill>
+                  <a:srgbClr val="000000"/>
+                </a:solidFill>
+                <a:latin typeface="Arial"/>
+                <a:ea typeface="Arial"/>
+                <a:cs typeface="Arial"/>
+                <a:sym typeface="Arial"/>
+              </a:defRPr>
+            </a:lvl1pPr>
+            <a:lvl2pPr marR="0" lvl="1" algn="l" rtl="0" eaLnBrk="1" hangingPunct="1">
+              <a:lnSpc>
+                <a:spcPct val="100000"/>
+              </a:lnSpc>
+              <a:spcBef>
+                <a:spcPts val="0"/>
+              </a:spcBef>
+              <a:spcAft>
+                <a:spcPts val="0"/>
+              </a:spcAft>
+              <a:buClr>
+                <a:srgbClr val="000000"/>
+              </a:buClr>
+              <a:buFont typeface="Arial"/>
+              <a:defRPr sz="1867" b="0" i="0" u="none" strike="noStrike" cap="none">
+                <a:solidFill>
+                  <a:srgbClr val="000000"/>
+                </a:solidFill>
+                <a:latin typeface="Arial"/>
+                <a:ea typeface="Arial"/>
+                <a:cs typeface="Arial"/>
+                <a:sym typeface="Arial"/>
+              </a:defRPr>
+            </a:lvl2pPr>
+            <a:lvl3pPr marR="0" lvl="2" algn="l" rtl="0" eaLnBrk="1" hangingPunct="1">
+              <a:lnSpc>
+                <a:spcPct val="100000"/>
+              </a:lnSpc>
+              <a:spcBef>
+                <a:spcPts val="0"/>
+              </a:spcBef>
+              <a:spcAft>
+                <a:spcPts val="0"/>
+              </a:spcAft>
+              <a:buClr>
+                <a:srgbClr val="000000"/>
+              </a:buClr>
+              <a:buFont typeface="Arial"/>
+              <a:defRPr sz="1867" b="0" i="0" u="none" strike="noStrike" cap="none">
+                <a:solidFill>
+                  <a:srgbClr val="000000"/>
+                </a:solidFill>
+                <a:latin typeface="Arial"/>
+                <a:ea typeface="Arial"/>
+                <a:cs typeface="Arial"/>
+                <a:sym typeface="Arial"/>
+              </a:defRPr>
+            </a:lvl3pPr>
+            <a:lvl4pPr marR="0" lvl="3" algn="l" rtl="0" eaLnBrk="1" hangingPunct="1">
+              <a:lnSpc>
+                <a:spcPct val="100000"/>
+              </a:lnSpc>
+              <a:spcBef>
+                <a:spcPts val="0"/>
+              </a:spcBef>
+              <a:spcAft>
+                <a:spcPts val="0"/>
+              </a:spcAft>
+              <a:buClr>
+                <a:srgbClr val="000000"/>
+              </a:buClr>
+              <a:buFont typeface="Arial"/>
+              <a:defRPr sz="1867" b="0" i="0" u="none" strike="noStrike" cap="none">
+                <a:solidFill>
+                  <a:srgbClr val="000000"/>
+                </a:solidFill>
+                <a:latin typeface="Arial"/>
+                <a:ea typeface="Arial"/>
+                <a:cs typeface="Arial"/>
+                <a:sym typeface="Arial"/>
+              </a:defRPr>
+            </a:lvl4pPr>
+            <a:lvl5pPr marR="0" lvl="4" algn="l" rtl="0" eaLnBrk="1" hangingPunct="1">
+              <a:lnSpc>
+                <a:spcPct val="100000"/>
+              </a:lnSpc>
+              <a:spcBef>
+                <a:spcPts val="0"/>
+              </a:spcBef>
+              <a:spcAft>
+                <a:spcPts val="0"/>
+              </a:spcAft>
+              <a:buClr>
+                <a:srgbClr val="000000"/>
+              </a:buClr>
+              <a:buFont typeface="Arial"/>
+              <a:defRPr sz="1867" b="0" i="0" u="none" strike="noStrike" cap="none">
+                <a:solidFill>
+                  <a:srgbClr val="000000"/>
+                </a:solidFill>
+                <a:latin typeface="Arial"/>
+                <a:ea typeface="Arial"/>
+                <a:cs typeface="Arial"/>
+                <a:sym typeface="Arial"/>
+              </a:defRPr>
+            </a:lvl5pPr>
+            <a:lvl6pPr marR="0" lvl="5" algn="l" rtl="0" eaLnBrk="1" hangingPunct="1">
+              <a:lnSpc>
+                <a:spcPct val="100000"/>
+              </a:lnSpc>
+              <a:spcBef>
+                <a:spcPts val="0"/>
+              </a:spcBef>
+              <a:spcAft>
+                <a:spcPts val="0"/>
+              </a:spcAft>
+              <a:buClr>
+                <a:srgbClr val="000000"/>
+              </a:buClr>
+              <a:buFont typeface="Arial"/>
+              <a:defRPr sz="1867" b="0" i="0" u="none" strike="noStrike" cap="none">
+                <a:solidFill>
+                  <a:srgbClr val="000000"/>
+                </a:solidFill>
+                <a:latin typeface="Arial"/>
+                <a:ea typeface="Arial"/>
+                <a:cs typeface="Arial"/>
+                <a:sym typeface="Arial"/>
+              </a:defRPr>
+            </a:lvl6pPr>
+            <a:lvl7pPr marR="0" lvl="6" algn="l" rtl="0" eaLnBrk="1" hangingPunct="1">
+              <a:lnSpc>
+                <a:spcPct val="100000"/>
+              </a:lnSpc>
+              <a:spcBef>
+                <a:spcPts val="0"/>
+              </a:spcBef>
+              <a:spcAft>
+                <a:spcPts val="0"/>
+              </a:spcAft>
+              <a:buClr>
+                <a:srgbClr val="000000"/>
+              </a:buClr>
+              <a:buFont typeface="Arial"/>
+              <a:defRPr sz="1867" b="0" i="0" u="none" strike="noStrike" cap="none">
+                <a:solidFill>
+                  <a:srgbClr val="000000"/>
+                </a:solidFill>
+                <a:latin typeface="Arial"/>
+                <a:ea typeface="Arial"/>
+                <a:cs typeface="Arial"/>
+                <a:sym typeface="Arial"/>
+              </a:defRPr>
+            </a:lvl7pPr>
+            <a:lvl8pPr marR="0" lvl="7" algn="l" rtl="0" eaLnBrk="1" hangingPunct="1">
+              <a:lnSpc>
+                <a:spcPct val="100000"/>
+              </a:lnSpc>
+              <a:spcBef>
+                <a:spcPts val="0"/>
+              </a:spcBef>
+              <a:spcAft>
+                <a:spcPts val="0"/>
+              </a:spcAft>
+              <a:buClr>
+                <a:srgbClr val="000000"/>
+              </a:buClr>
+              <a:buFont typeface="Arial"/>
+              <a:defRPr sz="1867" b="0" i="0" u="none" strike="noStrike" cap="none">
+                <a:solidFill>
+                  <a:srgbClr val="000000"/>
+                </a:solidFill>
+                <a:latin typeface="Arial"/>
+                <a:ea typeface="Arial"/>
+                <a:cs typeface="Arial"/>
+                <a:sym typeface="Arial"/>
+              </a:defRPr>
+            </a:lvl8pPr>
+            <a:lvl9pPr marR="0" lvl="8" algn="l" rtl="0" eaLnBrk="1" hangingPunct="1">
+              <a:lnSpc>
+                <a:spcPct val="100000"/>
+              </a:lnSpc>
+              <a:spcBef>
+                <a:spcPts val="0"/>
+              </a:spcBef>
+              <a:spcAft>
+                <a:spcPts val="0"/>
+              </a:spcAft>
+              <a:buClr>
+                <a:srgbClr val="000000"/>
+              </a:buClr>
+              <a:buFont typeface="Arial"/>
+              <a:defRPr sz="1867" b="0" i="0" u="none" strike="noStrike" cap="none">
+                <a:solidFill>
+                  <a:srgbClr val="000000"/>
+                </a:solidFill>
+                <a:latin typeface="Arial"/>
+                <a:ea typeface="Arial"/>
+                <a:cs typeface="Arial"/>
+                <a:sym typeface="Arial"/>
+              </a:defRPr>
+            </a:lvl9pPr>
+          </a:lstStyle>
+          <a:p>
+            <a:r>
+              <a:rPr lang="en-US" sz="4000" dirty="0">
+                <a:latin typeface="Bangers" pitchFamily="2" charset="77"/>
+              </a:rPr>
+              <a:t>Announcement: OH</a:t>
+            </a:r>
+          </a:p>
+        </p:txBody>
+      </p:sp>
+      <p:sp>
+        <p:nvSpPr>
+          <p:cNvPr id="6" name="Google Shape;106;p16">
+            <a:extLst>
+              <a:ext uri="{FF2B5EF4-FFF2-40B4-BE49-F238E27FC236}">
+                <a16:creationId xmlns:a16="http://schemas.microsoft.com/office/drawing/2014/main" id="{2895F2F4-42CF-2C4C-8253-78001E4621D4}"/>
+              </a:ext>
+            </a:extLst>
+          </p:cNvPr>
+          <p:cNvSpPr txBox="1">
+            <a:spLocks/>
+          </p:cNvSpPr>
+          <p:nvPr/>
+        </p:nvSpPr>
+        <p:spPr>
+          <a:xfrm>
+            <a:off x="1402733" y="2061267"/>
+            <a:ext cx="9290800" cy="3939483"/>
+          </a:xfrm>
+          <a:prstGeom prst="rect">
+            <a:avLst/>
+          </a:prstGeom>
+          <a:noFill/>
+          <a:ln>
+            <a:noFill/>
+          </a:ln>
+        </p:spPr>
+        <p:txBody>
+          <a:bodyPr spcFirstLastPara="1" wrap="square" lIns="121900" tIns="121900" rIns="121900" bIns="121900" anchor="t" anchorCtr="0">
+            <a:noAutofit/>
+          </a:bodyPr>
+          <a:lstStyle>
+            <a:defPPr marR="0" lvl="0" algn="l" rtl="0">
+              <a:lnSpc>
+                <a:spcPct val="100000"/>
+              </a:lnSpc>
+              <a:spcBef>
+                <a:spcPts val="0"/>
+              </a:spcBef>
+              <a:spcAft>
+                <a:spcPts val="0"/>
+              </a:spcAft>
+            </a:defPPr>
+            <a:lvl1pPr marL="609585" marR="0" lvl="0" indent="-304792" algn="ctr" rtl="0" eaLnBrk="1" hangingPunct="1">
+              <a:lnSpc>
+                <a:spcPct val="100000"/>
+              </a:lnSpc>
+              <a:spcBef>
+                <a:spcPts val="480"/>
+              </a:spcBef>
+              <a:spcAft>
+                <a:spcPts val="0"/>
+              </a:spcAft>
+              <a:buClr>
+                <a:schemeClr val="dk1"/>
+              </a:buClr>
+              <a:buSzPts val="1400"/>
+              <a:buFont typeface="Sniglet"/>
+              <a:buNone/>
+              <a:defRPr sz="1867" b="0" i="0" u="none" strike="noStrike" cap="none">
+                <a:solidFill>
+                  <a:schemeClr val="dk1"/>
+                </a:solidFill>
+                <a:latin typeface="Sniglet"/>
+                <a:ea typeface="Sniglet"/>
+                <a:cs typeface="Sniglet"/>
+                <a:sym typeface="Sniglet"/>
+              </a:defRPr>
+            </a:lvl1pPr>
+            <a:lvl2pPr marL="914400" marR="0" lvl="1" indent="-381000" algn="l" rtl="0" eaLnBrk="1" hangingPunct="1">
+              <a:lnSpc>
+                <a:spcPct val="100000"/>
+              </a:lnSpc>
+              <a:spcBef>
+                <a:spcPts val="0"/>
+              </a:spcBef>
+              <a:spcAft>
+                <a:spcPts val="0"/>
+              </a:spcAft>
+              <a:buClr>
+                <a:schemeClr val="dk1"/>
+              </a:buClr>
+              <a:buSzPts val="2400"/>
+              <a:buFont typeface="Sniglet"/>
+              <a:buChar char="×"/>
+              <a:defRPr sz="2400" b="0" i="0" u="none" strike="noStrike" cap="none">
+                <a:solidFill>
+                  <a:schemeClr val="dk1"/>
+                </a:solidFill>
+                <a:latin typeface="Sniglet"/>
+                <a:ea typeface="Sniglet"/>
+                <a:cs typeface="Sniglet"/>
+                <a:sym typeface="Sniglet"/>
+              </a:defRPr>
+            </a:lvl2pPr>
+            <a:lvl3pPr marL="1371600" marR="0" lvl="2" indent="-381000" algn="l" rtl="0" eaLnBrk="1" hangingPunct="1">
+              <a:lnSpc>
+                <a:spcPct val="100000"/>
+              </a:lnSpc>
+              <a:spcBef>
+                <a:spcPts val="0"/>
+              </a:spcBef>
+              <a:spcAft>
+                <a:spcPts val="0"/>
+              </a:spcAft>
+              <a:buClr>
+                <a:schemeClr val="dk1"/>
+              </a:buClr>
+              <a:buSzPts val="2400"/>
+              <a:buFont typeface="Sniglet"/>
+              <a:buChar char="×"/>
+              <a:defRPr sz="2400" b="0" i="0" u="none" strike="noStrike" cap="none">
+                <a:solidFill>
+                  <a:schemeClr val="dk1"/>
+                </a:solidFill>
+                <a:latin typeface="Sniglet"/>
+                <a:ea typeface="Sniglet"/>
+                <a:cs typeface="Sniglet"/>
+                <a:sym typeface="Sniglet"/>
+              </a:defRPr>
+            </a:lvl3pPr>
+            <a:lvl4pPr marL="1828800" marR="0" lvl="3" indent="-342900" algn="l" rtl="0" eaLnBrk="1" hangingPunct="1">
+              <a:lnSpc>
+                <a:spcPct val="100000"/>
+              </a:lnSpc>
+              <a:spcBef>
+                <a:spcPts val="0"/>
+              </a:spcBef>
+              <a:spcAft>
+                <a:spcPts val="0"/>
+              </a:spcAft>
+              <a:buClr>
+                <a:schemeClr val="dk1"/>
+              </a:buClr>
+              <a:buSzPts val="1800"/>
+              <a:buFont typeface="Sniglet"/>
+              <a:buChar char="×"/>
+              <a:defRPr sz="1800" b="0" i="0" u="none" strike="noStrike" cap="none">
+                <a:solidFill>
+                  <a:schemeClr val="dk1"/>
+                </a:solidFill>
+                <a:latin typeface="Sniglet"/>
+                <a:ea typeface="Sniglet"/>
+                <a:cs typeface="Sniglet"/>
+                <a:sym typeface="Sniglet"/>
+              </a:defRPr>
+            </a:lvl4pPr>
+            <a:lvl5pPr marL="2286000" marR="0" lvl="4" indent="-342900" algn="l" rtl="0" eaLnBrk="1" hangingPunct="1">
+              <a:lnSpc>
+                <a:spcPct val="100000"/>
+              </a:lnSpc>
+              <a:spcBef>
+                <a:spcPts val="0"/>
+              </a:spcBef>
+              <a:spcAft>
+                <a:spcPts val="0"/>
+              </a:spcAft>
+              <a:buClr>
+                <a:schemeClr val="dk1"/>
+              </a:buClr>
+              <a:buSzPts val="1800"/>
+              <a:buFont typeface="Sniglet"/>
+              <a:buChar char="×"/>
+              <a:defRPr sz="1800" b="0" i="0" u="none" strike="noStrike" cap="none">
+                <a:solidFill>
+                  <a:schemeClr val="dk1"/>
+                </a:solidFill>
+                <a:latin typeface="Sniglet"/>
+                <a:ea typeface="Sniglet"/>
+                <a:cs typeface="Sniglet"/>
+                <a:sym typeface="Sniglet"/>
+              </a:defRPr>
+            </a:lvl5pPr>
+            <a:lvl6pPr marL="2743200" marR="0" lvl="5" indent="-342900" algn="l" rtl="0" eaLnBrk="1" hangingPunct="1">
+              <a:lnSpc>
+                <a:spcPct val="100000"/>
+              </a:lnSpc>
+              <a:spcBef>
+                <a:spcPts val="0"/>
+              </a:spcBef>
+              <a:spcAft>
+                <a:spcPts val="0"/>
+              </a:spcAft>
+              <a:buClr>
+                <a:schemeClr val="dk1"/>
+              </a:buClr>
+              <a:buSzPts val="1800"/>
+              <a:buFont typeface="Sniglet"/>
+              <a:buChar char="×"/>
+              <a:defRPr sz="1800" b="0" i="0" u="none" strike="noStrike" cap="none">
+                <a:solidFill>
+                  <a:schemeClr val="dk1"/>
+                </a:solidFill>
+                <a:latin typeface="Sniglet"/>
+                <a:ea typeface="Sniglet"/>
+                <a:cs typeface="Sniglet"/>
+                <a:sym typeface="Sniglet"/>
+              </a:defRPr>
+            </a:lvl6pPr>
+            <a:lvl7pPr marL="3200400" marR="0" lvl="6" indent="-342900" algn="l" rtl="0" eaLnBrk="1" hangingPunct="1">
+              <a:lnSpc>
+                <a:spcPct val="100000"/>
+              </a:lnSpc>
+              <a:spcBef>
+                <a:spcPts val="0"/>
+              </a:spcBef>
+              <a:spcAft>
+                <a:spcPts val="0"/>
+              </a:spcAft>
+              <a:buClr>
+                <a:schemeClr val="dk1"/>
+              </a:buClr>
+              <a:buSzPts val="1800"/>
+              <a:buFont typeface="Sniglet"/>
+              <a:buChar char="×"/>
+              <a:defRPr sz="1800" b="0" i="0" u="none" strike="noStrike" cap="none">
+                <a:solidFill>
+                  <a:schemeClr val="dk1"/>
+                </a:solidFill>
+                <a:latin typeface="Sniglet"/>
+                <a:ea typeface="Sniglet"/>
+                <a:cs typeface="Sniglet"/>
+                <a:sym typeface="Sniglet"/>
+              </a:defRPr>
+            </a:lvl7pPr>
+            <a:lvl8pPr marL="3657600" marR="0" lvl="7" indent="-342900" algn="l" rtl="0" eaLnBrk="1" hangingPunct="1">
+              <a:lnSpc>
+                <a:spcPct val="100000"/>
+              </a:lnSpc>
+              <a:spcBef>
+                <a:spcPts val="0"/>
+              </a:spcBef>
+              <a:spcAft>
+                <a:spcPts val="0"/>
+              </a:spcAft>
+              <a:buClr>
+                <a:schemeClr val="dk1"/>
+              </a:buClr>
+              <a:buSzPts val="1800"/>
+              <a:buFont typeface="Sniglet"/>
+              <a:buChar char="×"/>
+              <a:defRPr sz="1800" b="0" i="0" u="none" strike="noStrike" cap="none">
+                <a:solidFill>
+                  <a:schemeClr val="dk1"/>
+                </a:solidFill>
+                <a:latin typeface="Sniglet"/>
+                <a:ea typeface="Sniglet"/>
+                <a:cs typeface="Sniglet"/>
+                <a:sym typeface="Sniglet"/>
+              </a:defRPr>
+            </a:lvl8pPr>
+            <a:lvl9pPr marL="4114800" marR="0" lvl="8" indent="-342900" algn="l" rtl="0" eaLnBrk="1" hangingPunct="1">
+              <a:lnSpc>
+                <a:spcPct val="100000"/>
+              </a:lnSpc>
+              <a:spcBef>
+                <a:spcPts val="0"/>
+              </a:spcBef>
+              <a:spcAft>
+                <a:spcPts val="0"/>
+              </a:spcAft>
+              <a:buClr>
+                <a:schemeClr val="dk1"/>
+              </a:buClr>
+              <a:buSzPts val="1800"/>
+              <a:buFont typeface="Sniglet"/>
+              <a:buChar char="×"/>
+              <a:defRPr sz="1800" b="0" i="0" u="none" strike="noStrike" cap="none">
+                <a:solidFill>
+                  <a:schemeClr val="dk1"/>
+                </a:solidFill>
+                <a:latin typeface="Sniglet"/>
+                <a:ea typeface="Sniglet"/>
+                <a:cs typeface="Sniglet"/>
+                <a:sym typeface="Sniglet"/>
+              </a:defRPr>
+            </a:lvl9pPr>
+          </a:lstStyle>
+          <a:p>
+            <a:pPr indent="-507987" algn="l">
+              <a:buSzPts val="2400"/>
+              <a:buFont typeface="Arial" panose="020B0604020202020204" pitchFamily="34" charset="0"/>
+              <a:buChar char="•"/>
+            </a:pPr>
+            <a:r>
+              <a:rPr lang="en-US" sz="2400" dirty="0"/>
+              <a:t>Office Hour Time:</a:t>
+            </a:r>
+          </a:p>
+          <a:p>
+            <a:pPr indent="-507987" algn="l">
+              <a:buSzPts val="2400"/>
+              <a:buFont typeface="Arial" panose="020B0604020202020204" pitchFamily="34" charset="0"/>
+              <a:buChar char="•"/>
+            </a:pPr>
+            <a:r>
+              <a:rPr lang="en-US" sz="2400" dirty="0"/>
+              <a:t>Thursday 9am - 10am, Tiffany Bao (@</a:t>
+            </a:r>
+            <a:r>
+              <a:rPr lang="en-US" sz="2400" dirty="0" err="1"/>
+              <a:t>tiffanyb</a:t>
+            </a:r>
+            <a:r>
+              <a:rPr lang="en-US" sz="2400" dirty="0"/>
+              <a:t>)</a:t>
+            </a:r>
+          </a:p>
+          <a:p>
+            <a:pPr indent="-507987" algn="l">
+              <a:buSzPts val="2400"/>
+              <a:buFont typeface="Arial" panose="020B0604020202020204" pitchFamily="34" charset="0"/>
+              <a:buChar char="•"/>
+            </a:pPr>
+            <a:r>
+              <a:rPr lang="en-US" sz="2400" dirty="0"/>
+              <a:t>Thursday 11:30am - 1:30am, Tas</a:t>
+            </a:r>
+          </a:p>
+          <a:p>
+            <a:pPr lvl="1" indent="-507987">
+              <a:buFont typeface="Arial" panose="020B0604020202020204" pitchFamily="34" charset="0"/>
+              <a:buChar char="•"/>
+            </a:pPr>
+            <a:r>
+              <a:rPr lang="en-US" sz="2000" dirty="0"/>
+              <a:t>Zion Basque (@</a:t>
+            </a:r>
+            <a:r>
+              <a:rPr lang="en-US" sz="2000" dirty="0" err="1"/>
+              <a:t>zion</a:t>
+            </a:r>
+            <a:r>
+              <a:rPr lang="en-US" sz="2000" dirty="0"/>
+              <a:t>)</a:t>
+            </a:r>
+          </a:p>
+          <a:p>
+            <a:pPr lvl="1" indent="-507987">
+              <a:buFont typeface="Arial" panose="020B0604020202020204" pitchFamily="34" charset="0"/>
+              <a:buChar char="•"/>
+            </a:pPr>
+            <a:r>
+              <a:rPr lang="en-US" sz="2000" dirty="0" err="1"/>
+              <a:t>Zhuoer</a:t>
+            </a:r>
+            <a:r>
+              <a:rPr lang="en-US" sz="2000" dirty="0"/>
+              <a:t> </a:t>
+            </a:r>
+            <a:r>
+              <a:rPr lang="en-US" sz="2000" dirty="0" err="1"/>
+              <a:t>Lyu</a:t>
+            </a:r>
+            <a:r>
+              <a:rPr lang="en-US" sz="2000" dirty="0"/>
+              <a:t> (@</a:t>
+            </a:r>
+            <a:r>
+              <a:rPr lang="en-US" sz="2000" dirty="0" err="1"/>
+              <a:t>Zhuoer</a:t>
+            </a:r>
+            <a:r>
+              <a:rPr lang="en-US" sz="2000" dirty="0"/>
+              <a:t> </a:t>
+            </a:r>
+            <a:r>
+              <a:rPr lang="en-US" sz="2000" dirty="0" err="1"/>
+              <a:t>Lyu</a:t>
+            </a:r>
+            <a:r>
+              <a:rPr lang="en-US" sz="2000" dirty="0"/>
+              <a:t>)</a:t>
+            </a:r>
+          </a:p>
+          <a:p>
+            <a:pPr lvl="1" indent="-507987">
+              <a:buFont typeface="Arial" panose="020B0604020202020204" pitchFamily="34" charset="0"/>
+              <a:buChar char="•"/>
+            </a:pPr>
+            <a:r>
+              <a:rPr lang="en-US" sz="2000" dirty="0"/>
+              <a:t>Kyle Zeng (@Kyle Zeng)</a:t>
+            </a:r>
+          </a:p>
+          <a:p>
+            <a:pPr indent="-507987" algn="l">
+              <a:buSzPts val="2400"/>
+              <a:buFont typeface="Arial" panose="020B0604020202020204" pitchFamily="34" charset="0"/>
+              <a:buChar char="•"/>
+            </a:pPr>
+            <a:r>
+              <a:rPr lang="en-US" dirty="0">
+                <a:solidFill>
+                  <a:schemeClr val="accent6"/>
+                </a:solidFill>
+                <a:hlinkClick r:id="rId2">
+                  <a:extLst>
+                    <a:ext uri="{A12FA001-AC4F-418D-AE19-62706E023703}">
+                      <ahyp:hlinkClr xmlns:ahyp="http://schemas.microsoft.com/office/drawing/2018/hyperlinkcolor" val="tx"/>
+                    </a:ext>
+                  </a:extLst>
+                </a:hlinkClick>
+              </a:rPr>
+              <a:t>https://asu.zoom.us/j/99084307002</a:t>
+            </a:r>
+            <a:endParaRPr lang="en-US" dirty="0">
+              <a:solidFill>
+                <a:schemeClr val="accent6"/>
+              </a:solidFill>
+            </a:endParaRPr>
+          </a:p>
+          <a:p>
+            <a:pPr marL="101598" indent="0" algn="l">
+              <a:buSzPts val="2400"/>
+            </a:pPr>
+            <a:endParaRPr lang="en-US" sz="2400" dirty="0"/>
+          </a:p>
+          <a:p>
+            <a:pPr indent="-507987" algn="l">
+              <a:buSzPts val="2400"/>
+              <a:buFont typeface="Arial" panose="020B0604020202020204" pitchFamily="34" charset="0"/>
+              <a:buChar char="•"/>
+            </a:pPr>
+            <a:endParaRPr lang="en-US" sz="2400" dirty="0"/>
+          </a:p>
+          <a:p>
+            <a:pPr indent="-507987" algn="l">
+              <a:buSzPts val="2400"/>
+              <a:buFont typeface="Arial" panose="020B0604020202020204" pitchFamily="34" charset="0"/>
+              <a:buChar char="•"/>
+            </a:pPr>
+            <a:endParaRPr lang="en-US" sz="2400" dirty="0"/>
+          </a:p>
+        </p:txBody>
+      </p:sp>
+    </p:spTree>
+    <p:extLst>
+      <p:ext uri="{BB962C8B-B14F-4D97-AF65-F5344CB8AC3E}">
+        <p14:creationId xmlns:p14="http://schemas.microsoft.com/office/powerpoint/2010/main" val="3931720147"/>
+      </p:ext>
+    </p:extLst>
+  </p:cSld>
+  <p:clrMapOvr>
+    <a:masterClrMapping/>
+  </p:clrMapOvr>
+</p:sld>
+</file>
+
+<file path=ppt/slides/slide20.xml><?xml version="1.0" encoding="utf-8"?>
 <p:sld xmlns:a="http://schemas.openxmlformats.org/drawingml/2006/main" xmlns:r="http://schemas.openxmlformats.org/officeDocument/2006/relationships" xmlns:p="http://schemas.openxmlformats.org/presentationml/2006/main">
   <p:cSld>
     <p:spTree>
@@ -11731,7 +12846,7 @@
 </p:sld>
 </file>
 
-<file path=ppt/slides/slide18.xml><?xml version="1.0" encoding="utf-8"?>
+<file path=ppt/slides/slide21.xml><?xml version="1.0" encoding="utf-8"?>
 <p:sld xmlns:a="http://schemas.openxmlformats.org/drawingml/2006/main" xmlns:r="http://schemas.openxmlformats.org/officeDocument/2006/relationships" xmlns:p="http://schemas.openxmlformats.org/presentationml/2006/main">
   <p:cSld>
     <p:spTree>
@@ -12774,7 +13889,7 @@
 </p:sld>
 </file>
 
-<file path=ppt/slides/slide19.xml><?xml version="1.0" encoding="utf-8"?>
+<file path=ppt/slides/slide22.xml><?xml version="1.0" encoding="utf-8"?>
 <p:sld xmlns:a="http://schemas.openxmlformats.org/drawingml/2006/main" xmlns:r="http://schemas.openxmlformats.org/officeDocument/2006/relationships" xmlns:p="http://schemas.openxmlformats.org/presentationml/2006/main">
   <p:cSld>
     <p:spTree>
@@ -13669,164 +14784,7 @@
 </p:sld>
 </file>
 
-<file path=ppt/slides/slide2.xml><?xml version="1.0" encoding="utf-8"?>
-<p:sld xmlns:a="http://schemas.openxmlformats.org/drawingml/2006/main" xmlns:r="http://schemas.openxmlformats.org/officeDocument/2006/relationships" xmlns:p="http://schemas.openxmlformats.org/presentationml/2006/main">
-  <p:cSld>
-    <p:spTree>
-      <p:nvGrpSpPr>
-        <p:cNvPr id="1" name="Shape 104"/>
-        <p:cNvGrpSpPr/>
-        <p:nvPr/>
-      </p:nvGrpSpPr>
-      <p:grpSpPr>
-        <a:xfrm>
-          <a:off x="0" y="0"/>
-          <a:ext cx="0" cy="0"/>
-          <a:chOff x="0" y="0"/>
-          <a:chExt cx="0" cy="0"/>
-        </a:xfrm>
-      </p:grpSpPr>
-      <p:sp>
-        <p:nvSpPr>
-          <p:cNvPr id="105" name="Google Shape;105;p16"/>
-          <p:cNvSpPr txBox="1">
-            <a:spLocks noGrp="1"/>
-          </p:cNvSpPr>
-          <p:nvPr>
-            <p:ph type="title"/>
-          </p:nvPr>
-        </p:nvSpPr>
-        <p:spPr>
-          <a:prstGeom prst="rect">
-            <a:avLst/>
-          </a:prstGeom>
-        </p:spPr>
-        <p:txBody>
-          <a:bodyPr spcFirstLastPara="1" wrap="square" lIns="121900" tIns="121900" rIns="121900" bIns="121900" anchor="b" anchorCtr="0">
-            <a:noAutofit/>
-          </a:bodyPr>
-          <a:lstStyle/>
-          <a:p>
-            <a:r>
-              <a:rPr lang="en" sz="4000" dirty="0"/>
-              <a:t>Contents</a:t>
-            </a:r>
-            <a:endParaRPr sz="4000" dirty="0"/>
-          </a:p>
-        </p:txBody>
-      </p:sp>
-      <p:sp>
-        <p:nvSpPr>
-          <p:cNvPr id="106" name="Google Shape;106;p16"/>
-          <p:cNvSpPr txBox="1">
-            <a:spLocks noGrp="1"/>
-          </p:cNvSpPr>
-          <p:nvPr>
-            <p:ph type="body" idx="1"/>
-          </p:nvPr>
-        </p:nvSpPr>
-        <p:spPr>
-          <a:xfrm>
-            <a:off x="1402733" y="2061267"/>
-            <a:ext cx="9290800" cy="4404800"/>
-          </a:xfrm>
-          <a:prstGeom prst="rect">
-            <a:avLst/>
-          </a:prstGeom>
-        </p:spPr>
-        <p:txBody>
-          <a:bodyPr spcFirstLastPara="1" wrap="square" lIns="121900" tIns="121900" rIns="121900" bIns="121900" anchor="t" anchorCtr="0">
-            <a:noAutofit/>
-          </a:bodyPr>
-          <a:lstStyle/>
-          <a:p>
-            <a:pPr indent="-507987">
-              <a:buSzPts val="2400"/>
-            </a:pPr>
-            <a:r>
-              <a:rPr lang="en-US" sz="2400" dirty="0"/>
-              <a:t>C 101</a:t>
-            </a:r>
-          </a:p>
-          <a:p>
-            <a:pPr indent="-507987">
-              <a:buSzPts val="2400"/>
-            </a:pPr>
-            <a:r>
-              <a:rPr lang="en-US" dirty="0"/>
-              <a:t>Python 101</a:t>
-            </a:r>
-          </a:p>
-          <a:p>
-            <a:pPr indent="-507987">
-              <a:buSzPts val="2400"/>
-            </a:pPr>
-            <a:r>
-              <a:rPr lang="en-US" dirty="0"/>
-              <a:t>Bash 101</a:t>
-            </a:r>
-          </a:p>
-          <a:p>
-            <a:pPr indent="-507987">
-              <a:buSzPts val="2400"/>
-            </a:pPr>
-            <a:r>
-              <a:rPr lang="en-US" dirty="0"/>
-              <a:t>Binary, Hexadecimal, and Endianness</a:t>
-            </a:r>
-          </a:p>
-          <a:p>
-            <a:pPr indent="-507987">
-              <a:buSzPts val="2400"/>
-            </a:pPr>
-            <a:endParaRPr lang="en-US" dirty="0"/>
-          </a:p>
-        </p:txBody>
-      </p:sp>
-      <p:sp>
-        <p:nvSpPr>
-          <p:cNvPr id="107" name="Google Shape;107;p16"/>
-          <p:cNvSpPr txBox="1">
-            <a:spLocks noGrp="1"/>
-          </p:cNvSpPr>
-          <p:nvPr>
-            <p:ph type="sldNum" idx="12"/>
-          </p:nvPr>
-        </p:nvSpPr>
-        <p:spPr>
-          <a:prstGeom prst="rect">
-            <a:avLst/>
-          </a:prstGeom>
-        </p:spPr>
-        <p:txBody>
-          <a:bodyPr spcFirstLastPara="1" wrap="square" lIns="121900" tIns="121900" rIns="121900" bIns="121900" anchor="t" anchorCtr="0">
-            <a:noAutofit/>
-          </a:bodyPr>
-          <a:lstStyle/>
-          <a:p>
-            <a:fld id="{00000000-1234-1234-1234-123412341234}" type="slidenum">
-              <a:rPr lang="en"/>
-              <a:pPr/>
-              <a:t>2</a:t>
-            </a:fld>
-            <a:endParaRPr/>
-          </a:p>
-        </p:txBody>
-      </p:sp>
-    </p:spTree>
-    <p:extLst>
-      <p:ext uri="{BB962C8B-B14F-4D97-AF65-F5344CB8AC3E}">
-        <p14:creationId xmlns:p14="http://schemas.microsoft.com/office/powerpoint/2010/main" val="957272269"/>
-      </p:ext>
-    </p:extLst>
-  </p:cSld>
-  <p:clrMapOvr>
-    <a:masterClrMapping/>
-  </p:clrMapOvr>
-</p:sld>
-</file>
-
-<file path=ppt/slides/slide20.xml><?xml version="1.0" encoding="utf-8"?>
+<file path=ppt/slides/slide23.xml><?xml version="1.0" encoding="utf-8"?>
 <p:sld xmlns:a="http://schemas.openxmlformats.org/drawingml/2006/main" xmlns:r="http://schemas.openxmlformats.org/officeDocument/2006/relationships" xmlns:p="http://schemas.openxmlformats.org/presentationml/2006/main">
   <p:cSld>
     <p:spTree>
@@ -14835,7 +15793,7 @@
 </p:sld>
 </file>
 
-<file path=ppt/slides/slide21.xml><?xml version="1.0" encoding="utf-8"?>
+<file path=ppt/slides/slide24.xml><?xml version="1.0" encoding="utf-8"?>
 <p:sld xmlns:a="http://schemas.openxmlformats.org/drawingml/2006/main" xmlns:r="http://schemas.openxmlformats.org/officeDocument/2006/relationships" xmlns:p="http://schemas.openxmlformats.org/presentationml/2006/main">
   <p:cSld>
     <p:spTree>
@@ -15958,7 +16916,7 @@
 </p:sld>
 </file>
 
-<file path=ppt/slides/slide22.xml><?xml version="1.0" encoding="utf-8"?>
+<file path=ppt/slides/slide25.xml><?xml version="1.0" encoding="utf-8"?>
 <p:sld xmlns:a="http://schemas.openxmlformats.org/drawingml/2006/main" xmlns:r="http://schemas.openxmlformats.org/officeDocument/2006/relationships" xmlns:p="http://schemas.openxmlformats.org/presentationml/2006/main">
   <p:cSld>
     <p:spTree>
@@ -17032,7 +17990,7 @@
 </p:sld>
 </file>
 
-<file path=ppt/slides/slide23.xml><?xml version="1.0" encoding="utf-8"?>
+<file path=ppt/slides/slide26.xml><?xml version="1.0" encoding="utf-8"?>
 <p:sld xmlns:a="http://schemas.openxmlformats.org/drawingml/2006/main" xmlns:r="http://schemas.openxmlformats.org/officeDocument/2006/relationships" xmlns:p="http://schemas.openxmlformats.org/presentationml/2006/main">
   <p:cSld>
     <p:spTree>
@@ -18080,7 +19038,7 @@
 </p:sld>
 </file>
 
-<file path=ppt/slides/slide24.xml><?xml version="1.0" encoding="utf-8"?>
+<file path=ppt/slides/slide27.xml><?xml version="1.0" encoding="utf-8"?>
 <p:sld xmlns:a="http://schemas.openxmlformats.org/drawingml/2006/main" xmlns:r="http://schemas.openxmlformats.org/officeDocument/2006/relationships" xmlns:p="http://schemas.openxmlformats.org/presentationml/2006/main" show="0">
   <p:cSld>
     <p:spTree>
@@ -18546,7 +19504,7 @@
 </p:sld>
 </file>
 
-<file path=ppt/slides/slide25.xml><?xml version="1.0" encoding="utf-8"?>
+<file path=ppt/slides/slide28.xml><?xml version="1.0" encoding="utf-8"?>
 <p:sld xmlns:a="http://schemas.openxmlformats.org/drawingml/2006/main" xmlns:r="http://schemas.openxmlformats.org/officeDocument/2006/relationships" xmlns:p="http://schemas.openxmlformats.org/presentationml/2006/main" show="0">
   <p:cSld>
     <p:spTree>
@@ -19027,7 +19985,2012 @@
 </p:sld>
 </file>
 
+<file path=ppt/slides/slide29.xml><?xml version="1.0" encoding="utf-8"?>
+<p:sld xmlns:a="http://schemas.openxmlformats.org/drawingml/2006/main" xmlns:r="http://schemas.openxmlformats.org/officeDocument/2006/relationships" xmlns:p="http://schemas.openxmlformats.org/presentationml/2006/main">
+  <p:cSld>
+    <p:spTree>
+      <p:nvGrpSpPr>
+        <p:cNvPr id="1" name=""/>
+        <p:cNvGrpSpPr/>
+        <p:nvPr/>
+      </p:nvGrpSpPr>
+      <p:grpSpPr>
+        <a:xfrm>
+          <a:off x="0" y="0"/>
+          <a:ext cx="0" cy="0"/>
+          <a:chOff x="0" y="0"/>
+          <a:chExt cx="0" cy="0"/>
+        </a:xfrm>
+      </p:grpSpPr>
+      <p:sp>
+        <p:nvSpPr>
+          <p:cNvPr id="4" name="Title 3">
+            <a:extLst>
+              <a:ext uri="{FF2B5EF4-FFF2-40B4-BE49-F238E27FC236}">
+                <a16:creationId xmlns:a16="http://schemas.microsoft.com/office/drawing/2014/main" id="{95286A17-9600-8D4F-9D4D-B7D4FF02A3B2}"/>
+              </a:ext>
+            </a:extLst>
+          </p:cNvPr>
+          <p:cNvSpPr>
+            <a:spLocks noGrp="1"/>
+          </p:cNvSpPr>
+          <p:nvPr>
+            <p:ph type="ctrTitle"/>
+          </p:nvPr>
+        </p:nvSpPr>
+        <p:spPr/>
+        <p:txBody>
+          <a:bodyPr/>
+          <a:lstStyle/>
+          <a:p>
+            <a:r>
+              <a:rPr lang="en-US" dirty="0"/>
+              <a:t>In-class Lab</a:t>
+            </a:r>
+          </a:p>
+        </p:txBody>
+      </p:sp>
+    </p:spTree>
+    <p:extLst>
+      <p:ext uri="{BB962C8B-B14F-4D97-AF65-F5344CB8AC3E}">
+        <p14:creationId xmlns:p14="http://schemas.microsoft.com/office/powerpoint/2010/main" val="4192846717"/>
+      </p:ext>
+    </p:extLst>
+  </p:cSld>
+  <p:clrMapOvr>
+    <a:masterClrMapping/>
+  </p:clrMapOvr>
+</p:sld>
+</file>
+
 <file path=ppt/slides/slide3.xml><?xml version="1.0" encoding="utf-8"?>
+<p:sld xmlns:a="http://schemas.openxmlformats.org/drawingml/2006/main" xmlns:r="http://schemas.openxmlformats.org/officeDocument/2006/relationships" xmlns:p="http://schemas.openxmlformats.org/presentationml/2006/main">
+  <p:cSld>
+    <p:spTree>
+      <p:nvGrpSpPr>
+        <p:cNvPr id="1" name=""/>
+        <p:cNvGrpSpPr/>
+        <p:nvPr/>
+      </p:nvGrpSpPr>
+      <p:grpSpPr>
+        <a:xfrm>
+          <a:off x="0" y="0"/>
+          <a:ext cx="0" cy="0"/>
+          <a:chOff x="0" y="0"/>
+          <a:chExt cx="0" cy="0"/>
+        </a:xfrm>
+      </p:grpSpPr>
+      <p:sp>
+        <p:nvSpPr>
+          <p:cNvPr id="4" name="Text Placeholder 3">
+            <a:extLst>
+              <a:ext uri="{FF2B5EF4-FFF2-40B4-BE49-F238E27FC236}">
+                <a16:creationId xmlns:a16="http://schemas.microsoft.com/office/drawing/2014/main" id="{8C3C3D3F-2924-5640-96F7-C5E12AAEFDB1}"/>
+              </a:ext>
+            </a:extLst>
+          </p:cNvPr>
+          <p:cNvSpPr>
+            <a:spLocks noGrp="1"/>
+          </p:cNvSpPr>
+          <p:nvPr>
+            <p:ph type="body" idx="1"/>
+          </p:nvPr>
+        </p:nvSpPr>
+        <p:spPr/>
+        <p:txBody>
+          <a:bodyPr/>
+          <a:lstStyle/>
+          <a:p>
+            <a:endParaRPr lang="en-US"/>
+          </a:p>
+        </p:txBody>
+      </p:sp>
+      <p:sp>
+        <p:nvSpPr>
+          <p:cNvPr id="5" name="Google Shape;105;p16">
+            <a:extLst>
+              <a:ext uri="{FF2B5EF4-FFF2-40B4-BE49-F238E27FC236}">
+                <a16:creationId xmlns:a16="http://schemas.microsoft.com/office/drawing/2014/main" id="{2B9DF7B9-0351-334A-AC17-20409DD9D608}"/>
+              </a:ext>
+            </a:extLst>
+          </p:cNvPr>
+          <p:cNvSpPr txBox="1">
+            <a:spLocks/>
+          </p:cNvSpPr>
+          <p:nvPr/>
+        </p:nvSpPr>
+        <p:spPr>
+          <a:xfrm rot="161729">
+            <a:off x="1301681" y="1169209"/>
+            <a:ext cx="9373171" cy="1013519"/>
+          </a:xfrm>
+          <a:prstGeom prst="rect">
+            <a:avLst/>
+          </a:prstGeom>
+        </p:spPr>
+        <p:txBody>
+          <a:bodyPr spcFirstLastPara="1" wrap="square" lIns="121900" tIns="121900" rIns="121900" bIns="121900" anchor="b" anchorCtr="0">
+            <a:noAutofit/>
+          </a:bodyPr>
+          <a:lstStyle>
+            <a:defPPr marR="0" lvl="0" algn="l" rtl="0">
+              <a:lnSpc>
+                <a:spcPct val="100000"/>
+              </a:lnSpc>
+              <a:spcBef>
+                <a:spcPts val="0"/>
+              </a:spcBef>
+              <a:spcAft>
+                <a:spcPts val="0"/>
+              </a:spcAft>
+            </a:defPPr>
+            <a:lvl1pPr marR="0" lvl="0" algn="l" rtl="0" eaLnBrk="1" hangingPunct="1">
+              <a:lnSpc>
+                <a:spcPct val="100000"/>
+              </a:lnSpc>
+              <a:spcBef>
+                <a:spcPts val="0"/>
+              </a:spcBef>
+              <a:spcAft>
+                <a:spcPts val="0"/>
+              </a:spcAft>
+              <a:buClr>
+                <a:srgbClr val="000000"/>
+              </a:buClr>
+              <a:buFont typeface="Arial"/>
+              <a:defRPr sz="1867" b="0" i="0" u="none" strike="noStrike" cap="none">
+                <a:solidFill>
+                  <a:srgbClr val="000000"/>
+                </a:solidFill>
+                <a:latin typeface="Arial"/>
+                <a:ea typeface="Arial"/>
+                <a:cs typeface="Arial"/>
+                <a:sym typeface="Arial"/>
+              </a:defRPr>
+            </a:lvl1pPr>
+            <a:lvl2pPr marR="0" lvl="1" algn="l" rtl="0" eaLnBrk="1" hangingPunct="1">
+              <a:lnSpc>
+                <a:spcPct val="100000"/>
+              </a:lnSpc>
+              <a:spcBef>
+                <a:spcPts val="0"/>
+              </a:spcBef>
+              <a:spcAft>
+                <a:spcPts val="0"/>
+              </a:spcAft>
+              <a:buClr>
+                <a:srgbClr val="000000"/>
+              </a:buClr>
+              <a:buFont typeface="Arial"/>
+              <a:defRPr sz="1867" b="0" i="0" u="none" strike="noStrike" cap="none">
+                <a:solidFill>
+                  <a:srgbClr val="000000"/>
+                </a:solidFill>
+                <a:latin typeface="Arial"/>
+                <a:ea typeface="Arial"/>
+                <a:cs typeface="Arial"/>
+                <a:sym typeface="Arial"/>
+              </a:defRPr>
+            </a:lvl2pPr>
+            <a:lvl3pPr marR="0" lvl="2" algn="l" rtl="0" eaLnBrk="1" hangingPunct="1">
+              <a:lnSpc>
+                <a:spcPct val="100000"/>
+              </a:lnSpc>
+              <a:spcBef>
+                <a:spcPts val="0"/>
+              </a:spcBef>
+              <a:spcAft>
+                <a:spcPts val="0"/>
+              </a:spcAft>
+              <a:buClr>
+                <a:srgbClr val="000000"/>
+              </a:buClr>
+              <a:buFont typeface="Arial"/>
+              <a:defRPr sz="1867" b="0" i="0" u="none" strike="noStrike" cap="none">
+                <a:solidFill>
+                  <a:srgbClr val="000000"/>
+                </a:solidFill>
+                <a:latin typeface="Arial"/>
+                <a:ea typeface="Arial"/>
+                <a:cs typeface="Arial"/>
+                <a:sym typeface="Arial"/>
+              </a:defRPr>
+            </a:lvl3pPr>
+            <a:lvl4pPr marR="0" lvl="3" algn="l" rtl="0" eaLnBrk="1" hangingPunct="1">
+              <a:lnSpc>
+                <a:spcPct val="100000"/>
+              </a:lnSpc>
+              <a:spcBef>
+                <a:spcPts val="0"/>
+              </a:spcBef>
+              <a:spcAft>
+                <a:spcPts val="0"/>
+              </a:spcAft>
+              <a:buClr>
+                <a:srgbClr val="000000"/>
+              </a:buClr>
+              <a:buFont typeface="Arial"/>
+              <a:defRPr sz="1867" b="0" i="0" u="none" strike="noStrike" cap="none">
+                <a:solidFill>
+                  <a:srgbClr val="000000"/>
+                </a:solidFill>
+                <a:latin typeface="Arial"/>
+                <a:ea typeface="Arial"/>
+                <a:cs typeface="Arial"/>
+                <a:sym typeface="Arial"/>
+              </a:defRPr>
+            </a:lvl4pPr>
+            <a:lvl5pPr marR="0" lvl="4" algn="l" rtl="0" eaLnBrk="1" hangingPunct="1">
+              <a:lnSpc>
+                <a:spcPct val="100000"/>
+              </a:lnSpc>
+              <a:spcBef>
+                <a:spcPts val="0"/>
+              </a:spcBef>
+              <a:spcAft>
+                <a:spcPts val="0"/>
+              </a:spcAft>
+              <a:buClr>
+                <a:srgbClr val="000000"/>
+              </a:buClr>
+              <a:buFont typeface="Arial"/>
+              <a:defRPr sz="1867" b="0" i="0" u="none" strike="noStrike" cap="none">
+                <a:solidFill>
+                  <a:srgbClr val="000000"/>
+                </a:solidFill>
+                <a:latin typeface="Arial"/>
+                <a:ea typeface="Arial"/>
+                <a:cs typeface="Arial"/>
+                <a:sym typeface="Arial"/>
+              </a:defRPr>
+            </a:lvl5pPr>
+            <a:lvl6pPr marR="0" lvl="5" algn="l" rtl="0" eaLnBrk="1" hangingPunct="1">
+              <a:lnSpc>
+                <a:spcPct val="100000"/>
+              </a:lnSpc>
+              <a:spcBef>
+                <a:spcPts val="0"/>
+              </a:spcBef>
+              <a:spcAft>
+                <a:spcPts val="0"/>
+              </a:spcAft>
+              <a:buClr>
+                <a:srgbClr val="000000"/>
+              </a:buClr>
+              <a:buFont typeface="Arial"/>
+              <a:defRPr sz="1867" b="0" i="0" u="none" strike="noStrike" cap="none">
+                <a:solidFill>
+                  <a:srgbClr val="000000"/>
+                </a:solidFill>
+                <a:latin typeface="Arial"/>
+                <a:ea typeface="Arial"/>
+                <a:cs typeface="Arial"/>
+                <a:sym typeface="Arial"/>
+              </a:defRPr>
+            </a:lvl6pPr>
+            <a:lvl7pPr marR="0" lvl="6" algn="l" rtl="0" eaLnBrk="1" hangingPunct="1">
+              <a:lnSpc>
+                <a:spcPct val="100000"/>
+              </a:lnSpc>
+              <a:spcBef>
+                <a:spcPts val="0"/>
+              </a:spcBef>
+              <a:spcAft>
+                <a:spcPts val="0"/>
+              </a:spcAft>
+              <a:buClr>
+                <a:srgbClr val="000000"/>
+              </a:buClr>
+              <a:buFont typeface="Arial"/>
+              <a:defRPr sz="1867" b="0" i="0" u="none" strike="noStrike" cap="none">
+                <a:solidFill>
+                  <a:srgbClr val="000000"/>
+                </a:solidFill>
+                <a:latin typeface="Arial"/>
+                <a:ea typeface="Arial"/>
+                <a:cs typeface="Arial"/>
+                <a:sym typeface="Arial"/>
+              </a:defRPr>
+            </a:lvl7pPr>
+            <a:lvl8pPr marR="0" lvl="7" algn="l" rtl="0" eaLnBrk="1" hangingPunct="1">
+              <a:lnSpc>
+                <a:spcPct val="100000"/>
+              </a:lnSpc>
+              <a:spcBef>
+                <a:spcPts val="0"/>
+              </a:spcBef>
+              <a:spcAft>
+                <a:spcPts val="0"/>
+              </a:spcAft>
+              <a:buClr>
+                <a:srgbClr val="000000"/>
+              </a:buClr>
+              <a:buFont typeface="Arial"/>
+              <a:defRPr sz="1867" b="0" i="0" u="none" strike="noStrike" cap="none">
+                <a:solidFill>
+                  <a:srgbClr val="000000"/>
+                </a:solidFill>
+                <a:latin typeface="Arial"/>
+                <a:ea typeface="Arial"/>
+                <a:cs typeface="Arial"/>
+                <a:sym typeface="Arial"/>
+              </a:defRPr>
+            </a:lvl8pPr>
+            <a:lvl9pPr marR="0" lvl="8" algn="l" rtl="0" eaLnBrk="1" hangingPunct="1">
+              <a:lnSpc>
+                <a:spcPct val="100000"/>
+              </a:lnSpc>
+              <a:spcBef>
+                <a:spcPts val="0"/>
+              </a:spcBef>
+              <a:spcAft>
+                <a:spcPts val="0"/>
+              </a:spcAft>
+              <a:buClr>
+                <a:srgbClr val="000000"/>
+              </a:buClr>
+              <a:buFont typeface="Arial"/>
+              <a:defRPr sz="1867" b="0" i="0" u="none" strike="noStrike" cap="none">
+                <a:solidFill>
+                  <a:srgbClr val="000000"/>
+                </a:solidFill>
+                <a:latin typeface="Arial"/>
+                <a:ea typeface="Arial"/>
+                <a:cs typeface="Arial"/>
+                <a:sym typeface="Arial"/>
+              </a:defRPr>
+            </a:lvl9pPr>
+          </a:lstStyle>
+          <a:p>
+            <a:r>
+              <a:rPr lang="en-US" sz="4000" dirty="0">
+                <a:latin typeface="Bangers" pitchFamily="2" charset="77"/>
+              </a:rPr>
+              <a:t>Announcement: Assignment 1</a:t>
+            </a:r>
+          </a:p>
+        </p:txBody>
+      </p:sp>
+      <p:sp>
+        <p:nvSpPr>
+          <p:cNvPr id="6" name="Google Shape;106;p16">
+            <a:extLst>
+              <a:ext uri="{FF2B5EF4-FFF2-40B4-BE49-F238E27FC236}">
+                <a16:creationId xmlns:a16="http://schemas.microsoft.com/office/drawing/2014/main" id="{2895F2F4-42CF-2C4C-8253-78001E4621D4}"/>
+              </a:ext>
+            </a:extLst>
+          </p:cNvPr>
+          <p:cNvSpPr txBox="1">
+            <a:spLocks/>
+          </p:cNvSpPr>
+          <p:nvPr/>
+        </p:nvSpPr>
+        <p:spPr>
+          <a:xfrm>
+            <a:off x="1402733" y="2061267"/>
+            <a:ext cx="9290800" cy="3939483"/>
+          </a:xfrm>
+          <a:prstGeom prst="rect">
+            <a:avLst/>
+          </a:prstGeom>
+          <a:noFill/>
+          <a:ln>
+            <a:noFill/>
+          </a:ln>
+        </p:spPr>
+        <p:txBody>
+          <a:bodyPr spcFirstLastPara="1" wrap="square" lIns="121900" tIns="121900" rIns="121900" bIns="121900" anchor="t" anchorCtr="0">
+            <a:noAutofit/>
+          </a:bodyPr>
+          <a:lstStyle>
+            <a:defPPr marR="0" lvl="0" algn="l" rtl="0">
+              <a:lnSpc>
+                <a:spcPct val="100000"/>
+              </a:lnSpc>
+              <a:spcBef>
+                <a:spcPts val="0"/>
+              </a:spcBef>
+              <a:spcAft>
+                <a:spcPts val="0"/>
+              </a:spcAft>
+            </a:defPPr>
+            <a:lvl1pPr marL="609585" marR="0" lvl="0" indent="-304792" algn="ctr" rtl="0" eaLnBrk="1" hangingPunct="1">
+              <a:lnSpc>
+                <a:spcPct val="100000"/>
+              </a:lnSpc>
+              <a:spcBef>
+                <a:spcPts val="480"/>
+              </a:spcBef>
+              <a:spcAft>
+                <a:spcPts val="0"/>
+              </a:spcAft>
+              <a:buClr>
+                <a:schemeClr val="dk1"/>
+              </a:buClr>
+              <a:buSzPts val="1400"/>
+              <a:buFont typeface="Sniglet"/>
+              <a:buNone/>
+              <a:defRPr sz="1867" b="0" i="0" u="none" strike="noStrike" cap="none">
+                <a:solidFill>
+                  <a:schemeClr val="dk1"/>
+                </a:solidFill>
+                <a:latin typeface="Sniglet"/>
+                <a:ea typeface="Sniglet"/>
+                <a:cs typeface="Sniglet"/>
+                <a:sym typeface="Sniglet"/>
+              </a:defRPr>
+            </a:lvl1pPr>
+            <a:lvl2pPr marL="914400" marR="0" lvl="1" indent="-381000" algn="l" rtl="0" eaLnBrk="1" hangingPunct="1">
+              <a:lnSpc>
+                <a:spcPct val="100000"/>
+              </a:lnSpc>
+              <a:spcBef>
+                <a:spcPts val="0"/>
+              </a:spcBef>
+              <a:spcAft>
+                <a:spcPts val="0"/>
+              </a:spcAft>
+              <a:buClr>
+                <a:schemeClr val="dk1"/>
+              </a:buClr>
+              <a:buSzPts val="2400"/>
+              <a:buFont typeface="Sniglet"/>
+              <a:buChar char="×"/>
+              <a:defRPr sz="2400" b="0" i="0" u="none" strike="noStrike" cap="none">
+                <a:solidFill>
+                  <a:schemeClr val="dk1"/>
+                </a:solidFill>
+                <a:latin typeface="Sniglet"/>
+                <a:ea typeface="Sniglet"/>
+                <a:cs typeface="Sniglet"/>
+                <a:sym typeface="Sniglet"/>
+              </a:defRPr>
+            </a:lvl2pPr>
+            <a:lvl3pPr marL="1371600" marR="0" lvl="2" indent="-381000" algn="l" rtl="0" eaLnBrk="1" hangingPunct="1">
+              <a:lnSpc>
+                <a:spcPct val="100000"/>
+              </a:lnSpc>
+              <a:spcBef>
+                <a:spcPts val="0"/>
+              </a:spcBef>
+              <a:spcAft>
+                <a:spcPts val="0"/>
+              </a:spcAft>
+              <a:buClr>
+                <a:schemeClr val="dk1"/>
+              </a:buClr>
+              <a:buSzPts val="2400"/>
+              <a:buFont typeface="Sniglet"/>
+              <a:buChar char="×"/>
+              <a:defRPr sz="2400" b="0" i="0" u="none" strike="noStrike" cap="none">
+                <a:solidFill>
+                  <a:schemeClr val="dk1"/>
+                </a:solidFill>
+                <a:latin typeface="Sniglet"/>
+                <a:ea typeface="Sniglet"/>
+                <a:cs typeface="Sniglet"/>
+                <a:sym typeface="Sniglet"/>
+              </a:defRPr>
+            </a:lvl3pPr>
+            <a:lvl4pPr marL="1828800" marR="0" lvl="3" indent="-342900" algn="l" rtl="0" eaLnBrk="1" hangingPunct="1">
+              <a:lnSpc>
+                <a:spcPct val="100000"/>
+              </a:lnSpc>
+              <a:spcBef>
+                <a:spcPts val="0"/>
+              </a:spcBef>
+              <a:spcAft>
+                <a:spcPts val="0"/>
+              </a:spcAft>
+              <a:buClr>
+                <a:schemeClr val="dk1"/>
+              </a:buClr>
+              <a:buSzPts val="1800"/>
+              <a:buFont typeface="Sniglet"/>
+              <a:buChar char="×"/>
+              <a:defRPr sz="1800" b="0" i="0" u="none" strike="noStrike" cap="none">
+                <a:solidFill>
+                  <a:schemeClr val="dk1"/>
+                </a:solidFill>
+                <a:latin typeface="Sniglet"/>
+                <a:ea typeface="Sniglet"/>
+                <a:cs typeface="Sniglet"/>
+                <a:sym typeface="Sniglet"/>
+              </a:defRPr>
+            </a:lvl4pPr>
+            <a:lvl5pPr marL="2286000" marR="0" lvl="4" indent="-342900" algn="l" rtl="0" eaLnBrk="1" hangingPunct="1">
+              <a:lnSpc>
+                <a:spcPct val="100000"/>
+              </a:lnSpc>
+              <a:spcBef>
+                <a:spcPts val="0"/>
+              </a:spcBef>
+              <a:spcAft>
+                <a:spcPts val="0"/>
+              </a:spcAft>
+              <a:buClr>
+                <a:schemeClr val="dk1"/>
+              </a:buClr>
+              <a:buSzPts val="1800"/>
+              <a:buFont typeface="Sniglet"/>
+              <a:buChar char="×"/>
+              <a:defRPr sz="1800" b="0" i="0" u="none" strike="noStrike" cap="none">
+                <a:solidFill>
+                  <a:schemeClr val="dk1"/>
+                </a:solidFill>
+                <a:latin typeface="Sniglet"/>
+                <a:ea typeface="Sniglet"/>
+                <a:cs typeface="Sniglet"/>
+                <a:sym typeface="Sniglet"/>
+              </a:defRPr>
+            </a:lvl5pPr>
+            <a:lvl6pPr marL="2743200" marR="0" lvl="5" indent="-342900" algn="l" rtl="0" eaLnBrk="1" hangingPunct="1">
+              <a:lnSpc>
+                <a:spcPct val="100000"/>
+              </a:lnSpc>
+              <a:spcBef>
+                <a:spcPts val="0"/>
+              </a:spcBef>
+              <a:spcAft>
+                <a:spcPts val="0"/>
+              </a:spcAft>
+              <a:buClr>
+                <a:schemeClr val="dk1"/>
+              </a:buClr>
+              <a:buSzPts val="1800"/>
+              <a:buFont typeface="Sniglet"/>
+              <a:buChar char="×"/>
+              <a:defRPr sz="1800" b="0" i="0" u="none" strike="noStrike" cap="none">
+                <a:solidFill>
+                  <a:schemeClr val="dk1"/>
+                </a:solidFill>
+                <a:latin typeface="Sniglet"/>
+                <a:ea typeface="Sniglet"/>
+                <a:cs typeface="Sniglet"/>
+                <a:sym typeface="Sniglet"/>
+              </a:defRPr>
+            </a:lvl6pPr>
+            <a:lvl7pPr marL="3200400" marR="0" lvl="6" indent="-342900" algn="l" rtl="0" eaLnBrk="1" hangingPunct="1">
+              <a:lnSpc>
+                <a:spcPct val="100000"/>
+              </a:lnSpc>
+              <a:spcBef>
+                <a:spcPts val="0"/>
+              </a:spcBef>
+              <a:spcAft>
+                <a:spcPts val="0"/>
+              </a:spcAft>
+              <a:buClr>
+                <a:schemeClr val="dk1"/>
+              </a:buClr>
+              <a:buSzPts val="1800"/>
+              <a:buFont typeface="Sniglet"/>
+              <a:buChar char="×"/>
+              <a:defRPr sz="1800" b="0" i="0" u="none" strike="noStrike" cap="none">
+                <a:solidFill>
+                  <a:schemeClr val="dk1"/>
+                </a:solidFill>
+                <a:latin typeface="Sniglet"/>
+                <a:ea typeface="Sniglet"/>
+                <a:cs typeface="Sniglet"/>
+                <a:sym typeface="Sniglet"/>
+              </a:defRPr>
+            </a:lvl7pPr>
+            <a:lvl8pPr marL="3657600" marR="0" lvl="7" indent="-342900" algn="l" rtl="0" eaLnBrk="1" hangingPunct="1">
+              <a:lnSpc>
+                <a:spcPct val="100000"/>
+              </a:lnSpc>
+              <a:spcBef>
+                <a:spcPts val="0"/>
+              </a:spcBef>
+              <a:spcAft>
+                <a:spcPts val="0"/>
+              </a:spcAft>
+              <a:buClr>
+                <a:schemeClr val="dk1"/>
+              </a:buClr>
+              <a:buSzPts val="1800"/>
+              <a:buFont typeface="Sniglet"/>
+              <a:buChar char="×"/>
+              <a:defRPr sz="1800" b="0" i="0" u="none" strike="noStrike" cap="none">
+                <a:solidFill>
+                  <a:schemeClr val="dk1"/>
+                </a:solidFill>
+                <a:latin typeface="Sniglet"/>
+                <a:ea typeface="Sniglet"/>
+                <a:cs typeface="Sniglet"/>
+                <a:sym typeface="Sniglet"/>
+              </a:defRPr>
+            </a:lvl8pPr>
+            <a:lvl9pPr marL="4114800" marR="0" lvl="8" indent="-342900" algn="l" rtl="0" eaLnBrk="1" hangingPunct="1">
+              <a:lnSpc>
+                <a:spcPct val="100000"/>
+              </a:lnSpc>
+              <a:spcBef>
+                <a:spcPts val="0"/>
+              </a:spcBef>
+              <a:spcAft>
+                <a:spcPts val="0"/>
+              </a:spcAft>
+              <a:buClr>
+                <a:schemeClr val="dk1"/>
+              </a:buClr>
+              <a:buSzPts val="1800"/>
+              <a:buFont typeface="Sniglet"/>
+              <a:buChar char="×"/>
+              <a:defRPr sz="1800" b="0" i="0" u="none" strike="noStrike" cap="none">
+                <a:solidFill>
+                  <a:schemeClr val="dk1"/>
+                </a:solidFill>
+                <a:latin typeface="Sniglet"/>
+                <a:ea typeface="Sniglet"/>
+                <a:cs typeface="Sniglet"/>
+                <a:sym typeface="Sniglet"/>
+              </a:defRPr>
+            </a:lvl9pPr>
+          </a:lstStyle>
+          <a:p>
+            <a:pPr marL="101598" indent="0" algn="l">
+              <a:buSzPts val="2400"/>
+            </a:pPr>
+            <a:r>
+              <a:rPr lang="en-US" sz="2400" dirty="0"/>
+              <a:t>First assignment will be out today </a:t>
+            </a:r>
+          </a:p>
+          <a:p>
+            <a:pPr marL="444498" indent="-342900" algn="l">
+              <a:buSzPts val="2400"/>
+              <a:buFont typeface="Arial" panose="020B0604020202020204" pitchFamily="34" charset="0"/>
+              <a:buChar char="•"/>
+            </a:pPr>
+            <a:r>
+              <a:rPr lang="en-US" sz="2400" dirty="0"/>
+              <a:t>Due: 9/2/2020 11:59pm PST</a:t>
+            </a:r>
+          </a:p>
+          <a:p>
+            <a:pPr marL="444498" indent="-342900" algn="l">
+              <a:buSzPts val="2400"/>
+              <a:buFont typeface="Arial" panose="020B0604020202020204" pitchFamily="34" charset="0"/>
+              <a:buChar char="•"/>
+            </a:pPr>
+            <a:r>
+              <a:rPr lang="en-US" sz="2400" b="1" dirty="0">
+                <a:solidFill>
+                  <a:schemeClr val="tx1"/>
+                </a:solidFill>
+              </a:rPr>
+              <a:t>Slack:</a:t>
+            </a:r>
+            <a:r>
+              <a:rPr lang="en-US" b="1" dirty="0">
+                <a:solidFill>
+                  <a:schemeClr val="accent6"/>
+                </a:solidFill>
+              </a:rPr>
+              <a:t> #﻿assignment1-questions</a:t>
+            </a:r>
+            <a:endParaRPr lang="en-US" sz="2400" dirty="0">
+              <a:solidFill>
+                <a:schemeClr val="accent6"/>
+              </a:solidFill>
+            </a:endParaRPr>
+          </a:p>
+          <a:p>
+            <a:pPr indent="-507987" algn="l">
+              <a:buSzPts val="2400"/>
+              <a:buFont typeface="Arial" panose="020B0604020202020204" pitchFamily="34" charset="0"/>
+              <a:buChar char="•"/>
+            </a:pPr>
+            <a:endParaRPr lang="en-US" sz="2400" dirty="0"/>
+          </a:p>
+          <a:p>
+            <a:pPr indent="-507987" algn="l">
+              <a:buSzPts val="2400"/>
+              <a:buFont typeface="Arial" panose="020B0604020202020204" pitchFamily="34" charset="0"/>
+              <a:buChar char="•"/>
+            </a:pPr>
+            <a:endParaRPr lang="en-US" sz="2400" dirty="0"/>
+          </a:p>
+          <a:p>
+            <a:pPr indent="-507987" algn="l">
+              <a:buSzPts val="2400"/>
+              <a:buFont typeface="Arial" panose="020B0604020202020204" pitchFamily="34" charset="0"/>
+              <a:buChar char="•"/>
+            </a:pPr>
+            <a:endParaRPr lang="en-US" sz="2400" dirty="0"/>
+          </a:p>
+        </p:txBody>
+      </p:sp>
+    </p:spTree>
+    <p:extLst>
+      <p:ext uri="{BB962C8B-B14F-4D97-AF65-F5344CB8AC3E}">
+        <p14:creationId xmlns:p14="http://schemas.microsoft.com/office/powerpoint/2010/main" val="2540687077"/>
+      </p:ext>
+    </p:extLst>
+  </p:cSld>
+  <p:clrMapOvr>
+    <a:masterClrMapping/>
+  </p:clrMapOvr>
+</p:sld>
+</file>
+
+<file path=ppt/slides/slide30.xml><?xml version="1.0" encoding="utf-8"?>
+<p:sld xmlns:a="http://schemas.openxmlformats.org/drawingml/2006/main" xmlns:r="http://schemas.openxmlformats.org/officeDocument/2006/relationships" xmlns:p="http://schemas.openxmlformats.org/presentationml/2006/main">
+  <p:cSld>
+    <p:spTree>
+      <p:nvGrpSpPr>
+        <p:cNvPr id="1" name=""/>
+        <p:cNvGrpSpPr/>
+        <p:nvPr/>
+      </p:nvGrpSpPr>
+      <p:grpSpPr>
+        <a:xfrm>
+          <a:off x="0" y="0"/>
+          <a:ext cx="0" cy="0"/>
+          <a:chOff x="0" y="0"/>
+          <a:chExt cx="0" cy="0"/>
+        </a:xfrm>
+      </p:grpSpPr>
+      <p:sp>
+        <p:nvSpPr>
+          <p:cNvPr id="2" name="Title 1">
+            <a:extLst>
+              <a:ext uri="{FF2B5EF4-FFF2-40B4-BE49-F238E27FC236}">
+                <a16:creationId xmlns:a16="http://schemas.microsoft.com/office/drawing/2014/main" id="{3C16D8A7-6A21-1C41-BA68-71B97C8797C6}"/>
+              </a:ext>
+            </a:extLst>
+          </p:cNvPr>
+          <p:cNvSpPr>
+            <a:spLocks noGrp="1"/>
+          </p:cNvSpPr>
+          <p:nvPr>
+            <p:ph type="title"/>
+          </p:nvPr>
+        </p:nvSpPr>
+        <p:spPr/>
+        <p:txBody>
+          <a:bodyPr/>
+          <a:lstStyle/>
+          <a:p>
+            <a:r>
+              <a:rPr lang="en-US" dirty="0"/>
+              <a:t>Goal: Log in your participation</a:t>
+            </a:r>
+          </a:p>
+        </p:txBody>
+      </p:sp>
+      <p:sp>
+        <p:nvSpPr>
+          <p:cNvPr id="3" name="Text Placeholder 2">
+            <a:extLst>
+              <a:ext uri="{FF2B5EF4-FFF2-40B4-BE49-F238E27FC236}">
+                <a16:creationId xmlns:a16="http://schemas.microsoft.com/office/drawing/2014/main" id="{266635A7-9BA8-F548-AA6E-8D87C802D13D}"/>
+              </a:ext>
+            </a:extLst>
+          </p:cNvPr>
+          <p:cNvSpPr>
+            <a:spLocks noGrp="1"/>
+          </p:cNvSpPr>
+          <p:nvPr>
+            <p:ph type="body" idx="1"/>
+          </p:nvPr>
+        </p:nvSpPr>
+        <p:spPr/>
+        <p:txBody>
+          <a:bodyPr/>
+          <a:lstStyle/>
+          <a:p>
+            <a:pPr marL="50799" indent="0">
+              <a:buNone/>
+            </a:pPr>
+            <a:r>
+              <a:rPr lang="en-US" dirty="0"/>
+              <a:t>Service IP: 3.209.56.190 Port: 2000</a:t>
+            </a:r>
+          </a:p>
+          <a:p>
+            <a:pPr marL="50799" indent="0">
+              <a:buNone/>
+            </a:pPr>
+            <a:endParaRPr lang="en-US" dirty="0"/>
+          </a:p>
+          <a:p>
+            <a:pPr marL="50799" indent="0">
+              <a:buNone/>
+            </a:pPr>
+            <a:r>
+              <a:rPr lang="en-US" dirty="0"/>
+              <a:t>Connect to the server: </a:t>
+            </a:r>
+            <a:r>
+              <a:rPr lang="en-US" dirty="0" err="1">
+                <a:latin typeface="Courier" pitchFamily="2" charset="0"/>
+              </a:rPr>
+              <a:t>nc</a:t>
+            </a:r>
+            <a:r>
+              <a:rPr lang="en-US" dirty="0">
+                <a:latin typeface="Courier" pitchFamily="2" charset="0"/>
+              </a:rPr>
+              <a:t> 3.209.56.190 2000</a:t>
+            </a:r>
+          </a:p>
+          <a:p>
+            <a:pPr marL="50799" indent="0">
+              <a:buNone/>
+            </a:pPr>
+            <a:endParaRPr lang="en-US" dirty="0"/>
+          </a:p>
+          <a:p>
+            <a:pPr marL="50799" indent="0">
+              <a:buNone/>
+            </a:pPr>
+            <a:r>
+              <a:rPr lang="en-US" dirty="0"/>
+              <a:t>Service file: </a:t>
+            </a:r>
+            <a:r>
+              <a:rPr lang="en-US" sz="2000" dirty="0">
+                <a:solidFill>
+                  <a:schemeClr val="accent6"/>
+                </a:solidFill>
+                <a:hlinkClick r:id="rId2">
+                  <a:extLst>
+                    <a:ext uri="{A12FA001-AC4F-418D-AE19-62706E023703}">
+                      <ahyp:hlinkClr xmlns:ahyp="http://schemas.microsoft.com/office/drawing/2018/hyperlinkcolor" val="tx"/>
+                    </a:ext>
+                  </a:extLst>
+                </a:hlinkClick>
+              </a:rPr>
+              <a:t>https://www.tiffanybao.com/courses/cse545/labs/service.c</a:t>
+            </a:r>
+            <a:endParaRPr lang="en-US" sz="2000" dirty="0">
+              <a:solidFill>
+                <a:schemeClr val="accent6"/>
+              </a:solidFill>
+            </a:endParaRPr>
+          </a:p>
+        </p:txBody>
+      </p:sp>
+    </p:spTree>
+    <p:extLst>
+      <p:ext uri="{BB962C8B-B14F-4D97-AF65-F5344CB8AC3E}">
+        <p14:creationId xmlns:p14="http://schemas.microsoft.com/office/powerpoint/2010/main" val="1514631032"/>
+      </p:ext>
+    </p:extLst>
+  </p:cSld>
+  <p:clrMapOvr>
+    <a:masterClrMapping/>
+  </p:clrMapOvr>
+</p:sld>
+</file>
+
+<file path=ppt/slides/slide31.xml><?xml version="1.0" encoding="utf-8"?>
+<p:sld xmlns:a="http://schemas.openxmlformats.org/drawingml/2006/main" xmlns:r="http://schemas.openxmlformats.org/officeDocument/2006/relationships" xmlns:p="http://schemas.openxmlformats.org/presentationml/2006/main">
+  <p:cSld>
+    <p:spTree>
+      <p:nvGrpSpPr>
+        <p:cNvPr id="1" name=""/>
+        <p:cNvGrpSpPr/>
+        <p:nvPr/>
+      </p:nvGrpSpPr>
+      <p:grpSpPr>
+        <a:xfrm>
+          <a:off x="0" y="0"/>
+          <a:ext cx="0" cy="0"/>
+          <a:chOff x="0" y="0"/>
+          <a:chExt cx="0" cy="0"/>
+        </a:xfrm>
+      </p:grpSpPr>
+      <p:sp>
+        <p:nvSpPr>
+          <p:cNvPr id="2" name="Title 1">
+            <a:extLst>
+              <a:ext uri="{FF2B5EF4-FFF2-40B4-BE49-F238E27FC236}">
+                <a16:creationId xmlns:a16="http://schemas.microsoft.com/office/drawing/2014/main" id="{E79B4181-5794-984C-B67B-D6B6D4BCCB13}"/>
+              </a:ext>
+            </a:extLst>
+          </p:cNvPr>
+          <p:cNvSpPr>
+            <a:spLocks noGrp="1"/>
+          </p:cNvSpPr>
+          <p:nvPr>
+            <p:ph type="title"/>
+          </p:nvPr>
+        </p:nvSpPr>
+        <p:spPr/>
+        <p:txBody>
+          <a:bodyPr/>
+          <a:lstStyle/>
+          <a:p>
+            <a:endParaRPr lang="en-US" dirty="0"/>
+          </a:p>
+        </p:txBody>
+      </p:sp>
+      <p:sp>
+        <p:nvSpPr>
+          <p:cNvPr id="7" name="Rectangle 6">
+            <a:extLst>
+              <a:ext uri="{FF2B5EF4-FFF2-40B4-BE49-F238E27FC236}">
+                <a16:creationId xmlns:a16="http://schemas.microsoft.com/office/drawing/2014/main" id="{5F8B5459-1EAE-D245-987E-43D39BA90064}"/>
+              </a:ext>
+            </a:extLst>
+          </p:cNvPr>
+          <p:cNvSpPr/>
+          <p:nvPr/>
+        </p:nvSpPr>
+        <p:spPr>
+          <a:xfrm>
+            <a:off x="1407089" y="2295872"/>
+            <a:ext cx="6246313" cy="3539430"/>
+          </a:xfrm>
+          <a:prstGeom prst="rect">
+            <a:avLst/>
+          </a:prstGeom>
+        </p:spPr>
+        <p:txBody>
+          <a:bodyPr wrap="square">
+            <a:spAutoFit/>
+          </a:bodyPr>
+          <a:lstStyle/>
+          <a:p>
+            <a:r>
+              <a:rPr lang="en-US" sz="2800" dirty="0">
+                <a:latin typeface="Courier" pitchFamily="2" charset="0"/>
+              </a:rPr>
+              <a:t>from </a:t>
+            </a:r>
+            <a:r>
+              <a:rPr lang="en-US" sz="2800" dirty="0" err="1">
+                <a:latin typeface="Courier" pitchFamily="2" charset="0"/>
+              </a:rPr>
+              <a:t>pwn</a:t>
+            </a:r>
+            <a:r>
+              <a:rPr lang="en-US" sz="2800" dirty="0">
+                <a:latin typeface="Courier" pitchFamily="2" charset="0"/>
+              </a:rPr>
+              <a:t> import process</a:t>
+            </a:r>
+          </a:p>
+          <a:p>
+            <a:endParaRPr lang="en-US" sz="2800" dirty="0">
+              <a:latin typeface="Courier" pitchFamily="2" charset="0"/>
+            </a:endParaRPr>
+          </a:p>
+          <a:p>
+            <a:r>
+              <a:rPr lang="en-US" sz="2800" dirty="0">
+                <a:latin typeface="Courier" pitchFamily="2" charset="0"/>
+              </a:rPr>
+              <a:t>def main():</a:t>
+            </a:r>
+          </a:p>
+          <a:p>
+            <a:r>
+              <a:rPr lang="en-US" sz="2800" dirty="0">
+                <a:latin typeface="Courier" pitchFamily="2" charset="0"/>
+              </a:rPr>
+              <a:t>    r = process("./service")</a:t>
+            </a:r>
+          </a:p>
+          <a:p>
+            <a:r>
+              <a:rPr lang="en-US" sz="2800" dirty="0">
+                <a:latin typeface="Courier" pitchFamily="2" charset="0"/>
+              </a:rPr>
+              <a:t>    print(</a:t>
+            </a:r>
+            <a:r>
+              <a:rPr lang="en-US" sz="2800" dirty="0" err="1">
+                <a:latin typeface="Courier" pitchFamily="2" charset="0"/>
+              </a:rPr>
+              <a:t>r.recvline</a:t>
+            </a:r>
+            <a:r>
+              <a:rPr lang="en-US" sz="2800" dirty="0">
+                <a:latin typeface="Courier" pitchFamily="2" charset="0"/>
+              </a:rPr>
+              <a:t>())</a:t>
+            </a:r>
+          </a:p>
+          <a:p>
+            <a:endParaRPr lang="en-US" sz="2800" dirty="0">
+              <a:latin typeface="Courier" pitchFamily="2" charset="0"/>
+            </a:endParaRPr>
+          </a:p>
+          <a:p>
+            <a:r>
+              <a:rPr lang="en-US" sz="2800" dirty="0">
+                <a:latin typeface="Courier" pitchFamily="2" charset="0"/>
+              </a:rPr>
+              <a:t>if __name__ == "__main__":</a:t>
+            </a:r>
+          </a:p>
+          <a:p>
+            <a:r>
+              <a:rPr lang="en-US" sz="2800" dirty="0">
+                <a:latin typeface="Courier" pitchFamily="2" charset="0"/>
+              </a:rPr>
+              <a:t>    main()</a:t>
+            </a:r>
+          </a:p>
+        </p:txBody>
+      </p:sp>
+    </p:spTree>
+    <p:extLst>
+      <p:ext uri="{BB962C8B-B14F-4D97-AF65-F5344CB8AC3E}">
+        <p14:creationId xmlns:p14="http://schemas.microsoft.com/office/powerpoint/2010/main" val="789158380"/>
+      </p:ext>
+    </p:extLst>
+  </p:cSld>
+  <p:clrMapOvr>
+    <a:masterClrMapping/>
+  </p:clrMapOvr>
+</p:sld>
+</file>
+
+<file path=ppt/slides/slide4.xml><?xml version="1.0" encoding="utf-8"?>
+<p:sld xmlns:a="http://schemas.openxmlformats.org/drawingml/2006/main" xmlns:r="http://schemas.openxmlformats.org/officeDocument/2006/relationships" xmlns:p="http://schemas.openxmlformats.org/presentationml/2006/main">
+  <p:cSld>
+    <p:spTree>
+      <p:nvGrpSpPr>
+        <p:cNvPr id="1" name=""/>
+        <p:cNvGrpSpPr/>
+        <p:nvPr/>
+      </p:nvGrpSpPr>
+      <p:grpSpPr>
+        <a:xfrm>
+          <a:off x="0" y="0"/>
+          <a:ext cx="0" cy="0"/>
+          <a:chOff x="0" y="0"/>
+          <a:chExt cx="0" cy="0"/>
+        </a:xfrm>
+      </p:grpSpPr>
+      <p:sp>
+        <p:nvSpPr>
+          <p:cNvPr id="5" name="Google Shape;105;p16">
+            <a:extLst>
+              <a:ext uri="{FF2B5EF4-FFF2-40B4-BE49-F238E27FC236}">
+                <a16:creationId xmlns:a16="http://schemas.microsoft.com/office/drawing/2014/main" id="{2B9DF7B9-0351-334A-AC17-20409DD9D608}"/>
+              </a:ext>
+            </a:extLst>
+          </p:cNvPr>
+          <p:cNvSpPr txBox="1">
+            <a:spLocks/>
+          </p:cNvSpPr>
+          <p:nvPr/>
+        </p:nvSpPr>
+        <p:spPr>
+          <a:xfrm rot="161729">
+            <a:off x="1301681" y="1169209"/>
+            <a:ext cx="9373171" cy="1013519"/>
+          </a:xfrm>
+          <a:prstGeom prst="rect">
+            <a:avLst/>
+          </a:prstGeom>
+        </p:spPr>
+        <p:txBody>
+          <a:bodyPr spcFirstLastPara="1" wrap="square" lIns="121900" tIns="121900" rIns="121900" bIns="121900" anchor="b" anchorCtr="0">
+            <a:noAutofit/>
+          </a:bodyPr>
+          <a:lstStyle>
+            <a:defPPr marR="0" lvl="0" algn="l" rtl="0">
+              <a:lnSpc>
+                <a:spcPct val="100000"/>
+              </a:lnSpc>
+              <a:spcBef>
+                <a:spcPts val="0"/>
+              </a:spcBef>
+              <a:spcAft>
+                <a:spcPts val="0"/>
+              </a:spcAft>
+            </a:defPPr>
+            <a:lvl1pPr marR="0" lvl="0" algn="l" rtl="0" eaLnBrk="1" hangingPunct="1">
+              <a:lnSpc>
+                <a:spcPct val="100000"/>
+              </a:lnSpc>
+              <a:spcBef>
+                <a:spcPts val="0"/>
+              </a:spcBef>
+              <a:spcAft>
+                <a:spcPts val="0"/>
+              </a:spcAft>
+              <a:buClr>
+                <a:srgbClr val="000000"/>
+              </a:buClr>
+              <a:buFont typeface="Arial"/>
+              <a:defRPr sz="1867" b="0" i="0" u="none" strike="noStrike" cap="none">
+                <a:solidFill>
+                  <a:srgbClr val="000000"/>
+                </a:solidFill>
+                <a:latin typeface="Arial"/>
+                <a:ea typeface="Arial"/>
+                <a:cs typeface="Arial"/>
+                <a:sym typeface="Arial"/>
+              </a:defRPr>
+            </a:lvl1pPr>
+            <a:lvl2pPr marR="0" lvl="1" algn="l" rtl="0" eaLnBrk="1" hangingPunct="1">
+              <a:lnSpc>
+                <a:spcPct val="100000"/>
+              </a:lnSpc>
+              <a:spcBef>
+                <a:spcPts val="0"/>
+              </a:spcBef>
+              <a:spcAft>
+                <a:spcPts val="0"/>
+              </a:spcAft>
+              <a:buClr>
+                <a:srgbClr val="000000"/>
+              </a:buClr>
+              <a:buFont typeface="Arial"/>
+              <a:defRPr sz="1867" b="0" i="0" u="none" strike="noStrike" cap="none">
+                <a:solidFill>
+                  <a:srgbClr val="000000"/>
+                </a:solidFill>
+                <a:latin typeface="Arial"/>
+                <a:ea typeface="Arial"/>
+                <a:cs typeface="Arial"/>
+                <a:sym typeface="Arial"/>
+              </a:defRPr>
+            </a:lvl2pPr>
+            <a:lvl3pPr marR="0" lvl="2" algn="l" rtl="0" eaLnBrk="1" hangingPunct="1">
+              <a:lnSpc>
+                <a:spcPct val="100000"/>
+              </a:lnSpc>
+              <a:spcBef>
+                <a:spcPts val="0"/>
+              </a:spcBef>
+              <a:spcAft>
+                <a:spcPts val="0"/>
+              </a:spcAft>
+              <a:buClr>
+                <a:srgbClr val="000000"/>
+              </a:buClr>
+              <a:buFont typeface="Arial"/>
+              <a:defRPr sz="1867" b="0" i="0" u="none" strike="noStrike" cap="none">
+                <a:solidFill>
+                  <a:srgbClr val="000000"/>
+                </a:solidFill>
+                <a:latin typeface="Arial"/>
+                <a:ea typeface="Arial"/>
+                <a:cs typeface="Arial"/>
+                <a:sym typeface="Arial"/>
+              </a:defRPr>
+            </a:lvl3pPr>
+            <a:lvl4pPr marR="0" lvl="3" algn="l" rtl="0" eaLnBrk="1" hangingPunct="1">
+              <a:lnSpc>
+                <a:spcPct val="100000"/>
+              </a:lnSpc>
+              <a:spcBef>
+                <a:spcPts val="0"/>
+              </a:spcBef>
+              <a:spcAft>
+                <a:spcPts val="0"/>
+              </a:spcAft>
+              <a:buClr>
+                <a:srgbClr val="000000"/>
+              </a:buClr>
+              <a:buFont typeface="Arial"/>
+              <a:defRPr sz="1867" b="0" i="0" u="none" strike="noStrike" cap="none">
+                <a:solidFill>
+                  <a:srgbClr val="000000"/>
+                </a:solidFill>
+                <a:latin typeface="Arial"/>
+                <a:ea typeface="Arial"/>
+                <a:cs typeface="Arial"/>
+                <a:sym typeface="Arial"/>
+              </a:defRPr>
+            </a:lvl4pPr>
+            <a:lvl5pPr marR="0" lvl="4" algn="l" rtl="0" eaLnBrk="1" hangingPunct="1">
+              <a:lnSpc>
+                <a:spcPct val="100000"/>
+              </a:lnSpc>
+              <a:spcBef>
+                <a:spcPts val="0"/>
+              </a:spcBef>
+              <a:spcAft>
+                <a:spcPts val="0"/>
+              </a:spcAft>
+              <a:buClr>
+                <a:srgbClr val="000000"/>
+              </a:buClr>
+              <a:buFont typeface="Arial"/>
+              <a:defRPr sz="1867" b="0" i="0" u="none" strike="noStrike" cap="none">
+                <a:solidFill>
+                  <a:srgbClr val="000000"/>
+                </a:solidFill>
+                <a:latin typeface="Arial"/>
+                <a:ea typeface="Arial"/>
+                <a:cs typeface="Arial"/>
+                <a:sym typeface="Arial"/>
+              </a:defRPr>
+            </a:lvl5pPr>
+            <a:lvl6pPr marR="0" lvl="5" algn="l" rtl="0" eaLnBrk="1" hangingPunct="1">
+              <a:lnSpc>
+                <a:spcPct val="100000"/>
+              </a:lnSpc>
+              <a:spcBef>
+                <a:spcPts val="0"/>
+              </a:spcBef>
+              <a:spcAft>
+                <a:spcPts val="0"/>
+              </a:spcAft>
+              <a:buClr>
+                <a:srgbClr val="000000"/>
+              </a:buClr>
+              <a:buFont typeface="Arial"/>
+              <a:defRPr sz="1867" b="0" i="0" u="none" strike="noStrike" cap="none">
+                <a:solidFill>
+                  <a:srgbClr val="000000"/>
+                </a:solidFill>
+                <a:latin typeface="Arial"/>
+                <a:ea typeface="Arial"/>
+                <a:cs typeface="Arial"/>
+                <a:sym typeface="Arial"/>
+              </a:defRPr>
+            </a:lvl6pPr>
+            <a:lvl7pPr marR="0" lvl="6" algn="l" rtl="0" eaLnBrk="1" hangingPunct="1">
+              <a:lnSpc>
+                <a:spcPct val="100000"/>
+              </a:lnSpc>
+              <a:spcBef>
+                <a:spcPts val="0"/>
+              </a:spcBef>
+              <a:spcAft>
+                <a:spcPts val="0"/>
+              </a:spcAft>
+              <a:buClr>
+                <a:srgbClr val="000000"/>
+              </a:buClr>
+              <a:buFont typeface="Arial"/>
+              <a:defRPr sz="1867" b="0" i="0" u="none" strike="noStrike" cap="none">
+                <a:solidFill>
+                  <a:srgbClr val="000000"/>
+                </a:solidFill>
+                <a:latin typeface="Arial"/>
+                <a:ea typeface="Arial"/>
+                <a:cs typeface="Arial"/>
+                <a:sym typeface="Arial"/>
+              </a:defRPr>
+            </a:lvl7pPr>
+            <a:lvl8pPr marR="0" lvl="7" algn="l" rtl="0" eaLnBrk="1" hangingPunct="1">
+              <a:lnSpc>
+                <a:spcPct val="100000"/>
+              </a:lnSpc>
+              <a:spcBef>
+                <a:spcPts val="0"/>
+              </a:spcBef>
+              <a:spcAft>
+                <a:spcPts val="0"/>
+              </a:spcAft>
+              <a:buClr>
+                <a:srgbClr val="000000"/>
+              </a:buClr>
+              <a:buFont typeface="Arial"/>
+              <a:defRPr sz="1867" b="0" i="0" u="none" strike="noStrike" cap="none">
+                <a:solidFill>
+                  <a:srgbClr val="000000"/>
+                </a:solidFill>
+                <a:latin typeface="Arial"/>
+                <a:ea typeface="Arial"/>
+                <a:cs typeface="Arial"/>
+                <a:sym typeface="Arial"/>
+              </a:defRPr>
+            </a:lvl8pPr>
+            <a:lvl9pPr marR="0" lvl="8" algn="l" rtl="0" eaLnBrk="1" hangingPunct="1">
+              <a:lnSpc>
+                <a:spcPct val="100000"/>
+              </a:lnSpc>
+              <a:spcBef>
+                <a:spcPts val="0"/>
+              </a:spcBef>
+              <a:spcAft>
+                <a:spcPts val="0"/>
+              </a:spcAft>
+              <a:buClr>
+                <a:srgbClr val="000000"/>
+              </a:buClr>
+              <a:buFont typeface="Arial"/>
+              <a:defRPr sz="1867" b="0" i="0" u="none" strike="noStrike" cap="none">
+                <a:solidFill>
+                  <a:srgbClr val="000000"/>
+                </a:solidFill>
+                <a:latin typeface="Arial"/>
+                <a:ea typeface="Arial"/>
+                <a:cs typeface="Arial"/>
+                <a:sym typeface="Arial"/>
+              </a:defRPr>
+            </a:lvl9pPr>
+          </a:lstStyle>
+          <a:p>
+            <a:r>
+              <a:rPr lang="en-US" sz="4000" dirty="0">
+                <a:latin typeface="Bangers" pitchFamily="2" charset="77"/>
+              </a:rPr>
+              <a:t>In a nutshell</a:t>
+            </a:r>
+          </a:p>
+        </p:txBody>
+      </p:sp>
+      <p:sp>
+        <p:nvSpPr>
+          <p:cNvPr id="6" name="Google Shape;106;p16">
+            <a:extLst>
+              <a:ext uri="{FF2B5EF4-FFF2-40B4-BE49-F238E27FC236}">
+                <a16:creationId xmlns:a16="http://schemas.microsoft.com/office/drawing/2014/main" id="{2895F2F4-42CF-2C4C-8253-78001E4621D4}"/>
+              </a:ext>
+            </a:extLst>
+          </p:cNvPr>
+          <p:cNvSpPr txBox="1">
+            <a:spLocks/>
+          </p:cNvSpPr>
+          <p:nvPr/>
+        </p:nvSpPr>
+        <p:spPr>
+          <a:xfrm>
+            <a:off x="1402733" y="2061267"/>
+            <a:ext cx="9290800" cy="3939483"/>
+          </a:xfrm>
+          <a:prstGeom prst="rect">
+            <a:avLst/>
+          </a:prstGeom>
+          <a:noFill/>
+          <a:ln>
+            <a:noFill/>
+          </a:ln>
+        </p:spPr>
+        <p:txBody>
+          <a:bodyPr spcFirstLastPara="1" wrap="square" lIns="121900" tIns="121900" rIns="121900" bIns="121900" anchor="t" anchorCtr="0">
+            <a:noAutofit/>
+          </a:bodyPr>
+          <a:lstStyle>
+            <a:defPPr marR="0" lvl="0" algn="l" rtl="0">
+              <a:lnSpc>
+                <a:spcPct val="100000"/>
+              </a:lnSpc>
+              <a:spcBef>
+                <a:spcPts val="0"/>
+              </a:spcBef>
+              <a:spcAft>
+                <a:spcPts val="0"/>
+              </a:spcAft>
+            </a:defPPr>
+            <a:lvl1pPr marL="609585" marR="0" lvl="0" indent="-304792" algn="ctr" rtl="0" eaLnBrk="1" hangingPunct="1">
+              <a:lnSpc>
+                <a:spcPct val="100000"/>
+              </a:lnSpc>
+              <a:spcBef>
+                <a:spcPts val="480"/>
+              </a:spcBef>
+              <a:spcAft>
+                <a:spcPts val="0"/>
+              </a:spcAft>
+              <a:buClr>
+                <a:schemeClr val="dk1"/>
+              </a:buClr>
+              <a:buSzPts val="1400"/>
+              <a:buFont typeface="Sniglet"/>
+              <a:buNone/>
+              <a:defRPr sz="1867" b="0" i="0" u="none" strike="noStrike" cap="none">
+                <a:solidFill>
+                  <a:schemeClr val="dk1"/>
+                </a:solidFill>
+                <a:latin typeface="Sniglet"/>
+                <a:ea typeface="Sniglet"/>
+                <a:cs typeface="Sniglet"/>
+                <a:sym typeface="Sniglet"/>
+              </a:defRPr>
+            </a:lvl1pPr>
+            <a:lvl2pPr marL="914400" marR="0" lvl="1" indent="-381000" algn="l" rtl="0" eaLnBrk="1" hangingPunct="1">
+              <a:lnSpc>
+                <a:spcPct val="100000"/>
+              </a:lnSpc>
+              <a:spcBef>
+                <a:spcPts val="0"/>
+              </a:spcBef>
+              <a:spcAft>
+                <a:spcPts val="0"/>
+              </a:spcAft>
+              <a:buClr>
+                <a:schemeClr val="dk1"/>
+              </a:buClr>
+              <a:buSzPts val="2400"/>
+              <a:buFont typeface="Sniglet"/>
+              <a:buChar char="×"/>
+              <a:defRPr sz="2400" b="0" i="0" u="none" strike="noStrike" cap="none">
+                <a:solidFill>
+                  <a:schemeClr val="dk1"/>
+                </a:solidFill>
+                <a:latin typeface="Sniglet"/>
+                <a:ea typeface="Sniglet"/>
+                <a:cs typeface="Sniglet"/>
+                <a:sym typeface="Sniglet"/>
+              </a:defRPr>
+            </a:lvl2pPr>
+            <a:lvl3pPr marL="1371600" marR="0" lvl="2" indent="-381000" algn="l" rtl="0" eaLnBrk="1" hangingPunct="1">
+              <a:lnSpc>
+                <a:spcPct val="100000"/>
+              </a:lnSpc>
+              <a:spcBef>
+                <a:spcPts val="0"/>
+              </a:spcBef>
+              <a:spcAft>
+                <a:spcPts val="0"/>
+              </a:spcAft>
+              <a:buClr>
+                <a:schemeClr val="dk1"/>
+              </a:buClr>
+              <a:buSzPts val="2400"/>
+              <a:buFont typeface="Sniglet"/>
+              <a:buChar char="×"/>
+              <a:defRPr sz="2400" b="0" i="0" u="none" strike="noStrike" cap="none">
+                <a:solidFill>
+                  <a:schemeClr val="dk1"/>
+                </a:solidFill>
+                <a:latin typeface="Sniglet"/>
+                <a:ea typeface="Sniglet"/>
+                <a:cs typeface="Sniglet"/>
+                <a:sym typeface="Sniglet"/>
+              </a:defRPr>
+            </a:lvl3pPr>
+            <a:lvl4pPr marL="1828800" marR="0" lvl="3" indent="-342900" algn="l" rtl="0" eaLnBrk="1" hangingPunct="1">
+              <a:lnSpc>
+                <a:spcPct val="100000"/>
+              </a:lnSpc>
+              <a:spcBef>
+                <a:spcPts val="0"/>
+              </a:spcBef>
+              <a:spcAft>
+                <a:spcPts val="0"/>
+              </a:spcAft>
+              <a:buClr>
+                <a:schemeClr val="dk1"/>
+              </a:buClr>
+              <a:buSzPts val="1800"/>
+              <a:buFont typeface="Sniglet"/>
+              <a:buChar char="×"/>
+              <a:defRPr sz="1800" b="0" i="0" u="none" strike="noStrike" cap="none">
+                <a:solidFill>
+                  <a:schemeClr val="dk1"/>
+                </a:solidFill>
+                <a:latin typeface="Sniglet"/>
+                <a:ea typeface="Sniglet"/>
+                <a:cs typeface="Sniglet"/>
+                <a:sym typeface="Sniglet"/>
+              </a:defRPr>
+            </a:lvl4pPr>
+            <a:lvl5pPr marL="2286000" marR="0" lvl="4" indent="-342900" algn="l" rtl="0" eaLnBrk="1" hangingPunct="1">
+              <a:lnSpc>
+                <a:spcPct val="100000"/>
+              </a:lnSpc>
+              <a:spcBef>
+                <a:spcPts val="0"/>
+              </a:spcBef>
+              <a:spcAft>
+                <a:spcPts val="0"/>
+              </a:spcAft>
+              <a:buClr>
+                <a:schemeClr val="dk1"/>
+              </a:buClr>
+              <a:buSzPts val="1800"/>
+              <a:buFont typeface="Sniglet"/>
+              <a:buChar char="×"/>
+              <a:defRPr sz="1800" b="0" i="0" u="none" strike="noStrike" cap="none">
+                <a:solidFill>
+                  <a:schemeClr val="dk1"/>
+                </a:solidFill>
+                <a:latin typeface="Sniglet"/>
+                <a:ea typeface="Sniglet"/>
+                <a:cs typeface="Sniglet"/>
+                <a:sym typeface="Sniglet"/>
+              </a:defRPr>
+            </a:lvl5pPr>
+            <a:lvl6pPr marL="2743200" marR="0" lvl="5" indent="-342900" algn="l" rtl="0" eaLnBrk="1" hangingPunct="1">
+              <a:lnSpc>
+                <a:spcPct val="100000"/>
+              </a:lnSpc>
+              <a:spcBef>
+                <a:spcPts val="0"/>
+              </a:spcBef>
+              <a:spcAft>
+                <a:spcPts val="0"/>
+              </a:spcAft>
+              <a:buClr>
+                <a:schemeClr val="dk1"/>
+              </a:buClr>
+              <a:buSzPts val="1800"/>
+              <a:buFont typeface="Sniglet"/>
+              <a:buChar char="×"/>
+              <a:defRPr sz="1800" b="0" i="0" u="none" strike="noStrike" cap="none">
+                <a:solidFill>
+                  <a:schemeClr val="dk1"/>
+                </a:solidFill>
+                <a:latin typeface="Sniglet"/>
+                <a:ea typeface="Sniglet"/>
+                <a:cs typeface="Sniglet"/>
+                <a:sym typeface="Sniglet"/>
+              </a:defRPr>
+            </a:lvl6pPr>
+            <a:lvl7pPr marL="3200400" marR="0" lvl="6" indent="-342900" algn="l" rtl="0" eaLnBrk="1" hangingPunct="1">
+              <a:lnSpc>
+                <a:spcPct val="100000"/>
+              </a:lnSpc>
+              <a:spcBef>
+                <a:spcPts val="0"/>
+              </a:spcBef>
+              <a:spcAft>
+                <a:spcPts val="0"/>
+              </a:spcAft>
+              <a:buClr>
+                <a:schemeClr val="dk1"/>
+              </a:buClr>
+              <a:buSzPts val="1800"/>
+              <a:buFont typeface="Sniglet"/>
+              <a:buChar char="×"/>
+              <a:defRPr sz="1800" b="0" i="0" u="none" strike="noStrike" cap="none">
+                <a:solidFill>
+                  <a:schemeClr val="dk1"/>
+                </a:solidFill>
+                <a:latin typeface="Sniglet"/>
+                <a:ea typeface="Sniglet"/>
+                <a:cs typeface="Sniglet"/>
+                <a:sym typeface="Sniglet"/>
+              </a:defRPr>
+            </a:lvl7pPr>
+            <a:lvl8pPr marL="3657600" marR="0" lvl="7" indent="-342900" algn="l" rtl="0" eaLnBrk="1" hangingPunct="1">
+              <a:lnSpc>
+                <a:spcPct val="100000"/>
+              </a:lnSpc>
+              <a:spcBef>
+                <a:spcPts val="0"/>
+              </a:spcBef>
+              <a:spcAft>
+                <a:spcPts val="0"/>
+              </a:spcAft>
+              <a:buClr>
+                <a:schemeClr val="dk1"/>
+              </a:buClr>
+              <a:buSzPts val="1800"/>
+              <a:buFont typeface="Sniglet"/>
+              <a:buChar char="×"/>
+              <a:defRPr sz="1800" b="0" i="0" u="none" strike="noStrike" cap="none">
+                <a:solidFill>
+                  <a:schemeClr val="dk1"/>
+                </a:solidFill>
+                <a:latin typeface="Sniglet"/>
+                <a:ea typeface="Sniglet"/>
+                <a:cs typeface="Sniglet"/>
+                <a:sym typeface="Sniglet"/>
+              </a:defRPr>
+            </a:lvl8pPr>
+            <a:lvl9pPr marL="4114800" marR="0" lvl="8" indent="-342900" algn="l" rtl="0" eaLnBrk="1" hangingPunct="1">
+              <a:lnSpc>
+                <a:spcPct val="100000"/>
+              </a:lnSpc>
+              <a:spcBef>
+                <a:spcPts val="0"/>
+              </a:spcBef>
+              <a:spcAft>
+                <a:spcPts val="0"/>
+              </a:spcAft>
+              <a:buClr>
+                <a:schemeClr val="dk1"/>
+              </a:buClr>
+              <a:buSzPts val="1800"/>
+              <a:buFont typeface="Sniglet"/>
+              <a:buChar char="×"/>
+              <a:defRPr sz="1800" b="0" i="0" u="none" strike="noStrike" cap="none">
+                <a:solidFill>
+                  <a:schemeClr val="dk1"/>
+                </a:solidFill>
+                <a:latin typeface="Sniglet"/>
+                <a:ea typeface="Sniglet"/>
+                <a:cs typeface="Sniglet"/>
+                <a:sym typeface="Sniglet"/>
+              </a:defRPr>
+            </a:lvl9pPr>
+          </a:lstStyle>
+          <a:p>
+            <a:pPr indent="-507987" algn="l">
+              <a:buSzPts val="2400"/>
+              <a:buFont typeface="Arial" panose="020B0604020202020204" pitchFamily="34" charset="0"/>
+              <a:buChar char="•"/>
+            </a:pPr>
+            <a:r>
+              <a:rPr lang="en-US" sz="2400" dirty="0"/>
+              <a:t>Course website (slides, assignments): </a:t>
+            </a:r>
+            <a:r>
+              <a:rPr lang="en-US" sz="1800" dirty="0">
+                <a:solidFill>
+                  <a:schemeClr val="accent6"/>
+                </a:solidFill>
+                <a:hlinkClick r:id="rId3">
+                  <a:extLst>
+                    <a:ext uri="{A12FA001-AC4F-418D-AE19-62706E023703}">
+                      <ahyp:hlinkClr xmlns:ahyp="http://schemas.microsoft.com/office/drawing/2018/hyperlinkcolor" val="tx"/>
+                    </a:ext>
+                  </a:extLst>
+                </a:hlinkClick>
+              </a:rPr>
+              <a:t>https://www.tiffanybao.com/courses/cse545/</a:t>
+            </a:r>
+            <a:endParaRPr lang="en-US" sz="1800" dirty="0">
+              <a:solidFill>
+                <a:schemeClr val="accent6"/>
+              </a:solidFill>
+            </a:endParaRPr>
+          </a:p>
+          <a:p>
+            <a:pPr indent="-507987" algn="l">
+              <a:buSzPts val="2400"/>
+              <a:buFont typeface="Arial" panose="020B0604020202020204" pitchFamily="34" charset="0"/>
+              <a:buChar char="•"/>
+            </a:pPr>
+            <a:r>
+              <a:rPr lang="en-US" sz="2400" dirty="0"/>
+              <a:t>Course videos: </a:t>
+            </a:r>
+            <a:r>
+              <a:rPr lang="en-US" sz="1800" dirty="0">
+                <a:solidFill>
+                  <a:schemeClr val="accent6"/>
+                </a:solidFill>
+                <a:hlinkClick r:id="rId4">
+                  <a:extLst>
+                    <a:ext uri="{A12FA001-AC4F-418D-AE19-62706E023703}">
+                      <ahyp:hlinkClr xmlns:ahyp="http://schemas.microsoft.com/office/drawing/2018/hyperlinkcolor" val="tx"/>
+                    </a:ext>
+                  </a:extLst>
+                </a:hlinkClick>
+              </a:rPr>
+              <a:t>https://www.youtube.com/playlist?list=PLV4Dfls5jUgxGIyUVFi2Jy-mTGEMzadQi</a:t>
+            </a:r>
+            <a:endParaRPr lang="en-US" sz="1800" dirty="0">
+              <a:solidFill>
+                <a:schemeClr val="accent6"/>
+              </a:solidFill>
+            </a:endParaRPr>
+          </a:p>
+          <a:p>
+            <a:pPr indent="-507987" algn="l">
+              <a:buSzPts val="2400"/>
+              <a:buFont typeface="Arial" panose="020B0604020202020204" pitchFamily="34" charset="0"/>
+              <a:buChar char="•"/>
+            </a:pPr>
+            <a:r>
+              <a:rPr lang="en-US" sz="2400" dirty="0">
+                <a:solidFill>
+                  <a:schemeClr val="tx1"/>
+                </a:solidFill>
+              </a:rPr>
+              <a:t>Slack (announcements, Q&amp;A): </a:t>
+            </a:r>
+            <a:r>
+              <a:rPr lang="en-US" sz="1800" dirty="0">
+                <a:solidFill>
+                  <a:schemeClr val="accent6"/>
+                </a:solidFill>
+                <a:hlinkClick r:id="rId5">
+                  <a:extLst>
+                    <a:ext uri="{A12FA001-AC4F-418D-AE19-62706E023703}">
+                      <ahyp:hlinkClr xmlns:ahyp="http://schemas.microsoft.com/office/drawing/2018/hyperlinkcolor" val="tx"/>
+                    </a:ext>
+                  </a:extLst>
+                </a:hlinkClick>
+              </a:rPr>
+              <a:t>https://join.slack.com/t/newworkspace-tko7628/shared_invite/zt-gmelmngl-cQDTCczGQlor3mpf~EsAqw</a:t>
+            </a:r>
+            <a:endParaRPr lang="en-US" sz="1800" dirty="0">
+              <a:solidFill>
+                <a:schemeClr val="accent6"/>
+              </a:solidFill>
+            </a:endParaRPr>
+          </a:p>
+          <a:p>
+            <a:pPr indent="-507987" algn="l">
+              <a:buSzPts val="2400"/>
+              <a:buFont typeface="Arial" panose="020B0604020202020204" pitchFamily="34" charset="0"/>
+              <a:buChar char="•"/>
+            </a:pPr>
+            <a:r>
+              <a:rPr lang="en-US" sz="2400" dirty="0">
+                <a:solidFill>
+                  <a:schemeClr val="tx1"/>
+                </a:solidFill>
+              </a:rPr>
+              <a:t>Class: </a:t>
+            </a:r>
+            <a:r>
+              <a:rPr lang="en-US" dirty="0">
+                <a:solidFill>
+                  <a:schemeClr val="accent6"/>
+                </a:solidFill>
+                <a:hlinkClick r:id="rId6">
+                  <a:extLst>
+                    <a:ext uri="{A12FA001-AC4F-418D-AE19-62706E023703}">
+                      <ahyp:hlinkClr xmlns:ahyp="http://schemas.microsoft.com/office/drawing/2018/hyperlinkcolor" val="tx"/>
+                    </a:ext>
+                  </a:extLst>
+                </a:hlinkClick>
+              </a:rPr>
+              <a:t>https://</a:t>
+            </a:r>
+            <a:r>
+              <a:rPr lang="en-US" dirty="0" err="1">
+                <a:solidFill>
+                  <a:schemeClr val="accent6"/>
+                </a:solidFill>
+                <a:hlinkClick r:id="rId6">
+                  <a:extLst>
+                    <a:ext uri="{A12FA001-AC4F-418D-AE19-62706E023703}">
+                      <ahyp:hlinkClr xmlns:ahyp="http://schemas.microsoft.com/office/drawing/2018/hyperlinkcolor" val="tx"/>
+                    </a:ext>
+                  </a:extLst>
+                </a:hlinkClick>
+              </a:rPr>
+              <a:t>asu.zoom.us</a:t>
+            </a:r>
+            <a:r>
+              <a:rPr lang="en-US" dirty="0">
+                <a:solidFill>
+                  <a:schemeClr val="accent6"/>
+                </a:solidFill>
+                <a:hlinkClick r:id="rId6">
+                  <a:extLst>
+                    <a:ext uri="{A12FA001-AC4F-418D-AE19-62706E023703}">
+                      <ahyp:hlinkClr xmlns:ahyp="http://schemas.microsoft.com/office/drawing/2018/hyperlinkcolor" val="tx"/>
+                    </a:ext>
+                  </a:extLst>
+                </a:hlinkClick>
+              </a:rPr>
+              <a:t>/j/99205624037</a:t>
+            </a:r>
+            <a:endParaRPr lang="en-US" sz="2400" dirty="0">
+              <a:solidFill>
+                <a:schemeClr val="accent6"/>
+              </a:solidFill>
+            </a:endParaRPr>
+          </a:p>
+          <a:p>
+            <a:pPr indent="-507987" algn="l">
+              <a:buSzPts val="2400"/>
+              <a:buFont typeface="Arial" panose="020B0604020202020204" pitchFamily="34" charset="0"/>
+              <a:buChar char="•"/>
+            </a:pPr>
+            <a:r>
+              <a:rPr lang="en-US" sz="2400" dirty="0">
+                <a:solidFill>
+                  <a:schemeClr val="tx1"/>
+                </a:solidFill>
+              </a:rPr>
+              <a:t>Office Hours: </a:t>
+            </a:r>
+            <a:r>
+              <a:rPr lang="en-US" dirty="0">
+                <a:solidFill>
+                  <a:schemeClr val="accent6"/>
+                </a:solidFill>
+                <a:hlinkClick r:id="rId7">
+                  <a:extLst>
+                    <a:ext uri="{A12FA001-AC4F-418D-AE19-62706E023703}">
+                      <ahyp:hlinkClr xmlns:ahyp="http://schemas.microsoft.com/office/drawing/2018/hyperlinkcolor" val="tx"/>
+                    </a:ext>
+                  </a:extLst>
+                </a:hlinkClick>
+              </a:rPr>
+              <a:t>https://asu.zoom.us/j/99084307002</a:t>
+            </a:r>
+            <a:endParaRPr lang="en-US" dirty="0">
+              <a:solidFill>
+                <a:schemeClr val="accent6"/>
+              </a:solidFill>
+            </a:endParaRPr>
+          </a:p>
+          <a:p>
+            <a:pPr indent="-507987" algn="l">
+              <a:buSzPts val="2400"/>
+              <a:buFont typeface="Arial" panose="020B0604020202020204" pitchFamily="34" charset="0"/>
+              <a:buChar char="•"/>
+            </a:pPr>
+            <a:endParaRPr lang="en-US" sz="2400" dirty="0">
+              <a:solidFill>
+                <a:schemeClr val="tx1"/>
+              </a:solidFill>
+            </a:endParaRPr>
+          </a:p>
+          <a:p>
+            <a:pPr indent="-507987" algn="l">
+              <a:buSzPts val="2400"/>
+              <a:buFont typeface="Arial" panose="020B0604020202020204" pitchFamily="34" charset="0"/>
+              <a:buChar char="•"/>
+            </a:pPr>
+            <a:endParaRPr lang="en-US" sz="2400" dirty="0"/>
+          </a:p>
+          <a:p>
+            <a:pPr indent="-507987" algn="l">
+              <a:buSzPts val="2400"/>
+              <a:buFont typeface="Arial" panose="020B0604020202020204" pitchFamily="34" charset="0"/>
+              <a:buChar char="•"/>
+            </a:pPr>
+            <a:endParaRPr lang="en-US" sz="2400" dirty="0"/>
+          </a:p>
+        </p:txBody>
+      </p:sp>
+    </p:spTree>
+    <p:extLst>
+      <p:ext uri="{BB962C8B-B14F-4D97-AF65-F5344CB8AC3E}">
+        <p14:creationId xmlns:p14="http://schemas.microsoft.com/office/powerpoint/2010/main" val="20720506"/>
+      </p:ext>
+    </p:extLst>
+  </p:cSld>
+  <p:clrMapOvr>
+    <a:masterClrMapping/>
+  </p:clrMapOvr>
+</p:sld>
+</file>
+
+<file path=ppt/slides/slide5.xml><?xml version="1.0" encoding="utf-8"?>
+<p:sld xmlns:a="http://schemas.openxmlformats.org/drawingml/2006/main" xmlns:r="http://schemas.openxmlformats.org/officeDocument/2006/relationships" xmlns:p="http://schemas.openxmlformats.org/presentationml/2006/main">
+  <p:cSld>
+    <p:spTree>
+      <p:nvGrpSpPr>
+        <p:cNvPr id="1" name="Shape 104"/>
+        <p:cNvGrpSpPr/>
+        <p:nvPr/>
+      </p:nvGrpSpPr>
+      <p:grpSpPr>
+        <a:xfrm>
+          <a:off x="0" y="0"/>
+          <a:ext cx="0" cy="0"/>
+          <a:chOff x="0" y="0"/>
+          <a:chExt cx="0" cy="0"/>
+        </a:xfrm>
+      </p:grpSpPr>
+      <p:sp>
+        <p:nvSpPr>
+          <p:cNvPr id="105" name="Google Shape;105;p16"/>
+          <p:cNvSpPr txBox="1">
+            <a:spLocks noGrp="1"/>
+          </p:cNvSpPr>
+          <p:nvPr>
+            <p:ph type="title"/>
+          </p:nvPr>
+        </p:nvSpPr>
+        <p:spPr>
+          <a:prstGeom prst="rect">
+            <a:avLst/>
+          </a:prstGeom>
+        </p:spPr>
+        <p:txBody>
+          <a:bodyPr spcFirstLastPara="1" wrap="square" lIns="121900" tIns="121900" rIns="121900" bIns="121900" anchor="b" anchorCtr="0">
+            <a:noAutofit/>
+          </a:bodyPr>
+          <a:lstStyle/>
+          <a:p>
+            <a:r>
+              <a:rPr lang="en" sz="4000" dirty="0"/>
+              <a:t>Contents</a:t>
+            </a:r>
+            <a:endParaRPr sz="4000" dirty="0"/>
+          </a:p>
+        </p:txBody>
+      </p:sp>
+      <p:sp>
+        <p:nvSpPr>
+          <p:cNvPr id="106" name="Google Shape;106;p16"/>
+          <p:cNvSpPr txBox="1">
+            <a:spLocks noGrp="1"/>
+          </p:cNvSpPr>
+          <p:nvPr>
+            <p:ph type="body" idx="1"/>
+          </p:nvPr>
+        </p:nvSpPr>
+        <p:spPr>
+          <a:xfrm>
+            <a:off x="1402733" y="2061267"/>
+            <a:ext cx="9290800" cy="4404800"/>
+          </a:xfrm>
+          <a:prstGeom prst="rect">
+            <a:avLst/>
+          </a:prstGeom>
+        </p:spPr>
+        <p:txBody>
+          <a:bodyPr spcFirstLastPara="1" wrap="square" lIns="121900" tIns="121900" rIns="121900" bIns="121900" anchor="t" anchorCtr="0">
+            <a:noAutofit/>
+          </a:bodyPr>
+          <a:lstStyle/>
+          <a:p>
+            <a:pPr indent="-507987">
+              <a:buSzPts val="2400"/>
+            </a:pPr>
+            <a:r>
+              <a:rPr lang="en-US" sz="2400" dirty="0"/>
+              <a:t>C 101</a:t>
+            </a:r>
+          </a:p>
+          <a:p>
+            <a:pPr indent="-507987">
+              <a:buSzPts val="2400"/>
+            </a:pPr>
+            <a:r>
+              <a:rPr lang="en-US" dirty="0"/>
+              <a:t>Python 101</a:t>
+            </a:r>
+          </a:p>
+          <a:p>
+            <a:pPr indent="-507987">
+              <a:buSzPts val="2400"/>
+            </a:pPr>
+            <a:r>
+              <a:rPr lang="en-US" dirty="0"/>
+              <a:t>Bash 101</a:t>
+            </a:r>
+          </a:p>
+          <a:p>
+            <a:pPr indent="-507987">
+              <a:buSzPts val="2400"/>
+            </a:pPr>
+            <a:r>
+              <a:rPr lang="en-US" dirty="0"/>
+              <a:t>Binary, Hexadecimal, and Endianness</a:t>
+            </a:r>
+          </a:p>
+          <a:p>
+            <a:pPr indent="-507987">
+              <a:buSzPts val="2400"/>
+            </a:pPr>
+            <a:endParaRPr lang="en-US" dirty="0"/>
+          </a:p>
+        </p:txBody>
+      </p:sp>
+      <p:sp>
+        <p:nvSpPr>
+          <p:cNvPr id="107" name="Google Shape;107;p16"/>
+          <p:cNvSpPr txBox="1">
+            <a:spLocks noGrp="1"/>
+          </p:cNvSpPr>
+          <p:nvPr>
+            <p:ph type="sldNum" idx="12"/>
+          </p:nvPr>
+        </p:nvSpPr>
+        <p:spPr>
+          <a:prstGeom prst="rect">
+            <a:avLst/>
+          </a:prstGeom>
+        </p:spPr>
+        <p:txBody>
+          <a:bodyPr spcFirstLastPara="1" wrap="square" lIns="121900" tIns="121900" rIns="121900" bIns="121900" anchor="t" anchorCtr="0">
+            <a:noAutofit/>
+          </a:bodyPr>
+          <a:lstStyle/>
+          <a:p>
+            <a:fld id="{00000000-1234-1234-1234-123412341234}" type="slidenum">
+              <a:rPr lang="en"/>
+              <a:pPr/>
+              <a:t>5</a:t>
+            </a:fld>
+            <a:endParaRPr/>
+          </a:p>
+        </p:txBody>
+      </p:sp>
+    </p:spTree>
+    <p:extLst>
+      <p:ext uri="{BB962C8B-B14F-4D97-AF65-F5344CB8AC3E}">
+        <p14:creationId xmlns:p14="http://schemas.microsoft.com/office/powerpoint/2010/main" val="957272269"/>
+      </p:ext>
+    </p:extLst>
+  </p:cSld>
+  <p:clrMapOvr>
+    <a:masterClrMapping/>
+  </p:clrMapOvr>
+</p:sld>
+</file>
+
+<file path=ppt/slides/slide6.xml><?xml version="1.0" encoding="utf-8"?>
 <p:sld xmlns:a="http://schemas.openxmlformats.org/drawingml/2006/main" xmlns:r="http://schemas.openxmlformats.org/officeDocument/2006/relationships" xmlns:p="http://schemas.openxmlformats.org/presentationml/2006/main">
   <p:cSld>
     <p:spTree>
@@ -19115,7 +22078,7 @@
 </p:sld>
 </file>
 
-<file path=ppt/slides/slide4.xml><?xml version="1.0" encoding="utf-8"?>
+<file path=ppt/slides/slide7.xml><?xml version="1.0" encoding="utf-8"?>
 <p:sld xmlns:a="http://schemas.openxmlformats.org/drawingml/2006/main" xmlns:r="http://schemas.openxmlformats.org/officeDocument/2006/relationships" xmlns:p="http://schemas.openxmlformats.org/presentationml/2006/main">
   <p:cSld>
     <p:spTree>
@@ -20178,7 +23141,7 @@
 </p:sld>
 </file>
 
-<file path=ppt/slides/slide5.xml><?xml version="1.0" encoding="utf-8"?>
+<file path=ppt/slides/slide8.xml><?xml version="1.0" encoding="utf-8"?>
 <p:sld xmlns:a="http://schemas.openxmlformats.org/drawingml/2006/main" xmlns:r="http://schemas.openxmlformats.org/officeDocument/2006/relationships" xmlns:p="http://schemas.openxmlformats.org/presentationml/2006/main">
   <p:cSld>
     <p:spTree>
@@ -21148,7 +24111,7 @@
 </p:sld>
 </file>
 
-<file path=ppt/slides/slide6.xml><?xml version="1.0" encoding="utf-8"?>
+<file path=ppt/slides/slide9.xml><?xml version="1.0" encoding="utf-8"?>
 <p:sld xmlns:a="http://schemas.openxmlformats.org/drawingml/2006/main" xmlns:r="http://schemas.openxmlformats.org/officeDocument/2006/relationships" xmlns:p="http://schemas.openxmlformats.org/presentationml/2006/main">
   <p:cSld>
     <p:spTree>
@@ -22243,274 +25206,6 @@
       <p:bldP spid="2" grpId="0" animBg="1"/>
     </p:bldLst>
   </p:timing>
-</p:sld>
-</file>
-
-<file path=ppt/slides/slide7.xml><?xml version="1.0" encoding="utf-8"?>
-<p:sld xmlns:a="http://schemas.openxmlformats.org/drawingml/2006/main" xmlns:r="http://schemas.openxmlformats.org/officeDocument/2006/relationships" xmlns:p="http://schemas.openxmlformats.org/presentationml/2006/main">
-  <p:cSld>
-    <p:spTree>
-      <p:nvGrpSpPr>
-        <p:cNvPr id="1" name=""/>
-        <p:cNvGrpSpPr/>
-        <p:nvPr/>
-      </p:nvGrpSpPr>
-      <p:grpSpPr>
-        <a:xfrm>
-          <a:off x="0" y="0"/>
-          <a:ext cx="0" cy="0"/>
-          <a:chOff x="0" y="0"/>
-          <a:chExt cx="0" cy="0"/>
-        </a:xfrm>
-      </p:grpSpPr>
-      <p:sp>
-        <p:nvSpPr>
-          <p:cNvPr id="2" name="Title 1">
-            <a:extLst>
-              <a:ext uri="{FF2B5EF4-FFF2-40B4-BE49-F238E27FC236}">
-                <a16:creationId xmlns:a16="http://schemas.microsoft.com/office/drawing/2014/main" id="{E932B692-9624-6A42-B440-2A39542EEB78}"/>
-              </a:ext>
-            </a:extLst>
-          </p:cNvPr>
-          <p:cNvSpPr>
-            <a:spLocks noGrp="1"/>
-          </p:cNvSpPr>
-          <p:nvPr>
-            <p:ph type="ctrTitle"/>
-          </p:nvPr>
-        </p:nvSpPr>
-        <p:spPr/>
-        <p:txBody>
-          <a:bodyPr/>
-          <a:lstStyle/>
-          <a:p>
-            <a:r>
-              <a:rPr lang="en-US" dirty="0"/>
-              <a:t>Python 101</a:t>
-            </a:r>
-          </a:p>
-        </p:txBody>
-      </p:sp>
-      <p:sp>
-        <p:nvSpPr>
-          <p:cNvPr id="3" name="Subtitle 2">
-            <a:extLst>
-              <a:ext uri="{FF2B5EF4-FFF2-40B4-BE49-F238E27FC236}">
-                <a16:creationId xmlns:a16="http://schemas.microsoft.com/office/drawing/2014/main" id="{99921C55-39C2-864A-8E10-3A096AD86755}"/>
-              </a:ext>
-            </a:extLst>
-          </p:cNvPr>
-          <p:cNvSpPr>
-            <a:spLocks noGrp="1"/>
-          </p:cNvSpPr>
-          <p:nvPr>
-            <p:ph type="subTitle" idx="4294967295"/>
-          </p:nvPr>
-        </p:nvSpPr>
-        <p:spPr>
-          <a:xfrm>
-            <a:off x="5468167" y="3583535"/>
-            <a:ext cx="5023200" cy="1046400"/>
-          </a:xfrm>
-        </p:spPr>
-        <p:txBody>
-          <a:bodyPr/>
-          <a:lstStyle/>
-          <a:p>
-            <a:endParaRPr lang="en-US"/>
-          </a:p>
-        </p:txBody>
-      </p:sp>
-    </p:spTree>
-    <p:extLst>
-      <p:ext uri="{BB962C8B-B14F-4D97-AF65-F5344CB8AC3E}">
-        <p14:creationId xmlns:p14="http://schemas.microsoft.com/office/powerpoint/2010/main" val="2790095543"/>
-      </p:ext>
-    </p:extLst>
-  </p:cSld>
-  <p:clrMapOvr>
-    <a:masterClrMapping/>
-  </p:clrMapOvr>
-</p:sld>
-</file>
-
-<file path=ppt/slides/slide8.xml><?xml version="1.0" encoding="utf-8"?>
-<p:sld xmlns:a="http://schemas.openxmlformats.org/drawingml/2006/main" xmlns:r="http://schemas.openxmlformats.org/officeDocument/2006/relationships" xmlns:p="http://schemas.openxmlformats.org/presentationml/2006/main">
-  <p:cSld>
-    <p:spTree>
-      <p:nvGrpSpPr>
-        <p:cNvPr id="1" name=""/>
-        <p:cNvGrpSpPr/>
-        <p:nvPr/>
-      </p:nvGrpSpPr>
-      <p:grpSpPr>
-        <a:xfrm>
-          <a:off x="0" y="0"/>
-          <a:ext cx="0" cy="0"/>
-          <a:chOff x="0" y="0"/>
-          <a:chExt cx="0" cy="0"/>
-        </a:xfrm>
-      </p:grpSpPr>
-      <p:sp>
-        <p:nvSpPr>
-          <p:cNvPr id="4" name="Title 3">
-            <a:extLst>
-              <a:ext uri="{FF2B5EF4-FFF2-40B4-BE49-F238E27FC236}">
-                <a16:creationId xmlns:a16="http://schemas.microsoft.com/office/drawing/2014/main" id="{19B66F7D-2A9A-F647-ABB7-078E3349DD26}"/>
-              </a:ext>
-            </a:extLst>
-          </p:cNvPr>
-          <p:cNvSpPr>
-            <a:spLocks noGrp="1"/>
-          </p:cNvSpPr>
-          <p:nvPr>
-            <p:ph type="title"/>
-          </p:nvPr>
-        </p:nvSpPr>
-        <p:spPr/>
-        <p:txBody>
-          <a:bodyPr/>
-          <a:lstStyle/>
-          <a:p>
-            <a:r>
-              <a:rPr lang="en-US" dirty="0"/>
-              <a:t>We are going to…</a:t>
-            </a:r>
-          </a:p>
-        </p:txBody>
-      </p:sp>
-      <p:sp>
-        <p:nvSpPr>
-          <p:cNvPr id="5" name="Text Placeholder 4">
-            <a:extLst>
-              <a:ext uri="{FF2B5EF4-FFF2-40B4-BE49-F238E27FC236}">
-                <a16:creationId xmlns:a16="http://schemas.microsoft.com/office/drawing/2014/main" id="{ED3CAD1F-1127-1F4F-B229-66B7516D75C3}"/>
-              </a:ext>
-            </a:extLst>
-          </p:cNvPr>
-          <p:cNvSpPr>
-            <a:spLocks noGrp="1"/>
-          </p:cNvSpPr>
-          <p:nvPr>
-            <p:ph type="body" idx="1"/>
-          </p:nvPr>
-        </p:nvSpPr>
-        <p:spPr/>
-        <p:txBody>
-          <a:bodyPr/>
-          <a:lstStyle/>
-          <a:p>
-            <a:r>
-              <a:rPr lang="en-US" dirty="0"/>
-              <a:t>Write an interactive server</a:t>
-            </a:r>
-          </a:p>
-          <a:p>
-            <a:r>
-              <a:rPr lang="en-US" dirty="0"/>
-              <a:t>Interact with the server</a:t>
-            </a:r>
-          </a:p>
-        </p:txBody>
-      </p:sp>
-    </p:spTree>
-    <p:extLst>
-      <p:ext uri="{BB962C8B-B14F-4D97-AF65-F5344CB8AC3E}">
-        <p14:creationId xmlns:p14="http://schemas.microsoft.com/office/powerpoint/2010/main" val="257923781"/>
-      </p:ext>
-    </p:extLst>
-  </p:cSld>
-  <p:clrMapOvr>
-    <a:masterClrMapping/>
-  </p:clrMapOvr>
-</p:sld>
-</file>
-
-<file path=ppt/slides/slide9.xml><?xml version="1.0" encoding="utf-8"?>
-<p:sld xmlns:a="http://schemas.openxmlformats.org/drawingml/2006/main" xmlns:r="http://schemas.openxmlformats.org/officeDocument/2006/relationships" xmlns:p="http://schemas.openxmlformats.org/presentationml/2006/main">
-  <p:cSld>
-    <p:spTree>
-      <p:nvGrpSpPr>
-        <p:cNvPr id="1" name=""/>
-        <p:cNvGrpSpPr/>
-        <p:nvPr/>
-      </p:nvGrpSpPr>
-      <p:grpSpPr>
-        <a:xfrm>
-          <a:off x="0" y="0"/>
-          <a:ext cx="0" cy="0"/>
-          <a:chOff x="0" y="0"/>
-          <a:chExt cx="0" cy="0"/>
-        </a:xfrm>
-      </p:grpSpPr>
-      <p:sp>
-        <p:nvSpPr>
-          <p:cNvPr id="4" name="Title 3">
-            <a:extLst>
-              <a:ext uri="{FF2B5EF4-FFF2-40B4-BE49-F238E27FC236}">
-                <a16:creationId xmlns:a16="http://schemas.microsoft.com/office/drawing/2014/main" id="{584D8134-B822-4D47-B9E7-B9770F297E91}"/>
-              </a:ext>
-            </a:extLst>
-          </p:cNvPr>
-          <p:cNvSpPr>
-            <a:spLocks noGrp="1"/>
-          </p:cNvSpPr>
-          <p:nvPr>
-            <p:ph type="ctrTitle"/>
-          </p:nvPr>
-        </p:nvSpPr>
-        <p:spPr/>
-        <p:txBody>
-          <a:bodyPr/>
-          <a:lstStyle/>
-          <a:p>
-            <a:r>
-              <a:rPr lang="en-US" dirty="0"/>
-              <a:t>Bash 101</a:t>
-            </a:r>
-          </a:p>
-        </p:txBody>
-      </p:sp>
-      <p:sp>
-        <p:nvSpPr>
-          <p:cNvPr id="5" name="Subtitle 4">
-            <a:extLst>
-              <a:ext uri="{FF2B5EF4-FFF2-40B4-BE49-F238E27FC236}">
-                <a16:creationId xmlns:a16="http://schemas.microsoft.com/office/drawing/2014/main" id="{FE5FC235-DC69-0841-8088-EB4764CBECF5}"/>
-              </a:ext>
-            </a:extLst>
-          </p:cNvPr>
-          <p:cNvSpPr>
-            <a:spLocks noGrp="1"/>
-          </p:cNvSpPr>
-          <p:nvPr>
-            <p:ph type="subTitle" idx="4294967295"/>
-          </p:nvPr>
-        </p:nvSpPr>
-        <p:spPr>
-          <a:xfrm>
-            <a:off x="5468167" y="3583535"/>
-            <a:ext cx="5023200" cy="1046400"/>
-          </a:xfrm>
-        </p:spPr>
-        <p:txBody>
-          <a:bodyPr/>
-          <a:lstStyle/>
-          <a:p>
-            <a:endParaRPr lang="en-US"/>
-          </a:p>
-        </p:txBody>
-      </p:sp>
-    </p:spTree>
-    <p:extLst>
-      <p:ext uri="{BB962C8B-B14F-4D97-AF65-F5344CB8AC3E}">
-        <p14:creationId xmlns:p14="http://schemas.microsoft.com/office/powerpoint/2010/main" val="2908482924"/>
-      </p:ext>
-    </p:extLst>
-  </p:cSld>
-  <p:clrMapOvr>
-    <a:masterClrMapping/>
-  </p:clrMapOvr>
 </p:sld>
 </file>
 
